--- a/wip-design/figures/thegamma-more.pptx
+++ b/wip-design/figures/thegamma-more.pptx
@@ -104,6 +104,11 @@
       </a:defRPr>
     </a:lvl9pPr>
   </p:defaultTextStyle>
+  <p:extLst>
+    <p:ext uri="{EFAFB233-063F-42B5-8137-9DF3F51BA10A}">
+      <p15:sldGuideLst xmlns:p15="http://schemas.microsoft.com/office/powerpoint/2012/main"/>
+    </p:ext>
+  </p:extLst>
 </p:presentation>
 </file>
 
@@ -238,7 +243,7 @@
           <a:p>
             <a:fld id="{83B4BBB6-9BD8-4D7C-BB9E-7BCEFC8BDD28}" type="datetimeFigureOut">
               <a:rPr lang="en-US" smtClean="0"/>
-              <a:t>9/11/2020</a:t>
+              <a:t>3/22/2021</a:t>
             </a:fld>
             <a:endParaRPr lang="en-US"/>
           </a:p>
@@ -408,7 +413,7 @@
           <a:p>
             <a:fld id="{83B4BBB6-9BD8-4D7C-BB9E-7BCEFC8BDD28}" type="datetimeFigureOut">
               <a:rPr lang="en-US" smtClean="0"/>
-              <a:t>9/11/2020</a:t>
+              <a:t>3/22/2021</a:t>
             </a:fld>
             <a:endParaRPr lang="en-US"/>
           </a:p>
@@ -588,7 +593,7 @@
           <a:p>
             <a:fld id="{83B4BBB6-9BD8-4D7C-BB9E-7BCEFC8BDD28}" type="datetimeFigureOut">
               <a:rPr lang="en-US" smtClean="0"/>
-              <a:t>9/11/2020</a:t>
+              <a:t>3/22/2021</a:t>
             </a:fld>
             <a:endParaRPr lang="en-US"/>
           </a:p>
@@ -758,7 +763,7 @@
           <a:p>
             <a:fld id="{83B4BBB6-9BD8-4D7C-BB9E-7BCEFC8BDD28}" type="datetimeFigureOut">
               <a:rPr lang="en-US" smtClean="0"/>
-              <a:t>9/11/2020</a:t>
+              <a:t>3/22/2021</a:t>
             </a:fld>
             <a:endParaRPr lang="en-US"/>
           </a:p>
@@ -1002,7 +1007,7 @@
           <a:p>
             <a:fld id="{83B4BBB6-9BD8-4D7C-BB9E-7BCEFC8BDD28}" type="datetimeFigureOut">
               <a:rPr lang="en-US" smtClean="0"/>
-              <a:t>9/11/2020</a:t>
+              <a:t>3/22/2021</a:t>
             </a:fld>
             <a:endParaRPr lang="en-US"/>
           </a:p>
@@ -1234,7 +1239,7 @@
           <a:p>
             <a:fld id="{83B4BBB6-9BD8-4D7C-BB9E-7BCEFC8BDD28}" type="datetimeFigureOut">
               <a:rPr lang="en-US" smtClean="0"/>
-              <a:t>9/11/2020</a:t>
+              <a:t>3/22/2021</a:t>
             </a:fld>
             <a:endParaRPr lang="en-US"/>
           </a:p>
@@ -1601,7 +1606,7 @@
           <a:p>
             <a:fld id="{83B4BBB6-9BD8-4D7C-BB9E-7BCEFC8BDD28}" type="datetimeFigureOut">
               <a:rPr lang="en-US" smtClean="0"/>
-              <a:t>9/11/2020</a:t>
+              <a:t>3/22/2021</a:t>
             </a:fld>
             <a:endParaRPr lang="en-US"/>
           </a:p>
@@ -1719,7 +1724,7 @@
           <a:p>
             <a:fld id="{83B4BBB6-9BD8-4D7C-BB9E-7BCEFC8BDD28}" type="datetimeFigureOut">
               <a:rPr lang="en-US" smtClean="0"/>
-              <a:t>9/11/2020</a:t>
+              <a:t>3/22/2021</a:t>
             </a:fld>
             <a:endParaRPr lang="en-US"/>
           </a:p>
@@ -1814,7 +1819,7 @@
           <a:p>
             <a:fld id="{83B4BBB6-9BD8-4D7C-BB9E-7BCEFC8BDD28}" type="datetimeFigureOut">
               <a:rPr lang="en-US" smtClean="0"/>
-              <a:t>9/11/2020</a:t>
+              <a:t>3/22/2021</a:t>
             </a:fld>
             <a:endParaRPr lang="en-US"/>
           </a:p>
@@ -2091,7 +2096,7 @@
           <a:p>
             <a:fld id="{83B4BBB6-9BD8-4D7C-BB9E-7BCEFC8BDD28}" type="datetimeFigureOut">
               <a:rPr lang="en-US" smtClean="0"/>
-              <a:t>9/11/2020</a:t>
+              <a:t>3/22/2021</a:t>
             </a:fld>
             <a:endParaRPr lang="en-US"/>
           </a:p>
@@ -2348,7 +2353,7 @@
           <a:p>
             <a:fld id="{83B4BBB6-9BD8-4D7C-BB9E-7BCEFC8BDD28}" type="datetimeFigureOut">
               <a:rPr lang="en-US" smtClean="0"/>
-              <a:t>9/11/2020</a:t>
+              <a:t>3/22/2021</a:t>
             </a:fld>
             <a:endParaRPr lang="en-US"/>
           </a:p>
@@ -2561,7 +2566,7 @@
           <a:p>
             <a:fld id="{83B4BBB6-9BD8-4D7C-BB9E-7BCEFC8BDD28}" type="datetimeFigureOut">
               <a:rPr lang="en-US" smtClean="0"/>
-              <a:t>9/11/2020</a:t>
+              <a:t>3/22/2021</a:t>
             </a:fld>
             <a:endParaRPr lang="en-US"/>
           </a:p>
@@ -2968,10 +2973,10 @@
       </p:grpSpPr>
       <p:pic>
         <p:nvPicPr>
-          <p:cNvPr id="77" name="Picture 76">
+          <p:cNvPr id="91" name="Picture 90">
             <a:extLst>
               <a:ext uri="{FF2B5EF4-FFF2-40B4-BE49-F238E27FC236}">
-                <a16:creationId xmlns:a16="http://schemas.microsoft.com/office/drawing/2014/main" id="{8A238C98-61A4-478E-9D87-CBC12F93D7BE}"/>
+                <a16:creationId xmlns:a16="http://schemas.microsoft.com/office/drawing/2014/main" id="{B85B2A21-FFD9-474F-B1A5-C0219F05F567}"/>
               </a:ext>
             </a:extLst>
           </p:cNvPr>
@@ -2988,338 +2993,8 @@
         </p:blipFill>
         <p:spPr>
           <a:xfrm>
-            <a:off x="5499151" y="2542282"/>
-            <a:ext cx="3722890" cy="899286"/>
-          </a:xfrm>
-          <a:prstGeom prst="rect">
-            <a:avLst/>
-          </a:prstGeom>
-        </p:spPr>
-      </p:pic>
-      <p:pic>
-        <p:nvPicPr>
-          <p:cNvPr id="79" name="Picture 78">
-            <a:extLst>
-              <a:ext uri="{FF2B5EF4-FFF2-40B4-BE49-F238E27FC236}">
-                <a16:creationId xmlns:a16="http://schemas.microsoft.com/office/drawing/2014/main" id="{C95B7385-5AA6-4A54-9A4A-321EEA6A46AD}"/>
-              </a:ext>
-            </a:extLst>
-          </p:cNvPr>
-          <p:cNvPicPr>
-            <a:picLocks noChangeAspect="1"/>
-          </p:cNvPicPr>
-          <p:nvPr/>
-        </p:nvPicPr>
-        <p:blipFill>
-          <a:blip r:embed="rId3"/>
-          <a:stretch>
-            <a:fillRect/>
-          </a:stretch>
-        </p:blipFill>
-        <p:spPr>
-          <a:xfrm>
-            <a:off x="5499151" y="454431"/>
-            <a:ext cx="3722890" cy="899286"/>
-          </a:xfrm>
-          <a:prstGeom prst="rect">
-            <a:avLst/>
-          </a:prstGeom>
-        </p:spPr>
-      </p:pic>
-      <p:pic>
-        <p:nvPicPr>
-          <p:cNvPr id="81" name="Picture 80">
-            <a:extLst>
-              <a:ext uri="{FF2B5EF4-FFF2-40B4-BE49-F238E27FC236}">
-                <a16:creationId xmlns:a16="http://schemas.microsoft.com/office/drawing/2014/main" id="{0F469C1C-6011-413B-BD08-4468E282C2E3}"/>
-              </a:ext>
-            </a:extLst>
-          </p:cNvPr>
-          <p:cNvPicPr>
-            <a:picLocks noChangeAspect="1"/>
-          </p:cNvPicPr>
-          <p:nvPr/>
-        </p:nvPicPr>
-        <p:blipFill>
-          <a:blip r:embed="rId4"/>
-          <a:stretch>
-            <a:fillRect/>
-          </a:stretch>
-        </p:blipFill>
-        <p:spPr>
-          <a:xfrm>
-            <a:off x="421532" y="2537660"/>
-            <a:ext cx="3722890" cy="899286"/>
-          </a:xfrm>
-          <a:prstGeom prst="rect">
-            <a:avLst/>
-          </a:prstGeom>
-        </p:spPr>
-      </p:pic>
-      <p:pic>
-        <p:nvPicPr>
-          <p:cNvPr id="83" name="Picture 82">
-            <a:extLst>
-              <a:ext uri="{FF2B5EF4-FFF2-40B4-BE49-F238E27FC236}">
-                <a16:creationId xmlns:a16="http://schemas.microsoft.com/office/drawing/2014/main" id="{A8A8B42C-79A6-46D9-947E-0850F7C19D26}"/>
-              </a:ext>
-            </a:extLst>
-          </p:cNvPr>
-          <p:cNvPicPr>
-            <a:picLocks noChangeAspect="1"/>
-          </p:cNvPicPr>
-          <p:nvPr/>
-        </p:nvPicPr>
-        <p:blipFill>
-          <a:blip r:embed="rId5"/>
-          <a:stretch>
-            <a:fillRect/>
-          </a:stretch>
-        </p:blipFill>
-        <p:spPr>
-          <a:xfrm>
-            <a:off x="421532" y="454431"/>
-            <a:ext cx="3722890" cy="899286"/>
-          </a:xfrm>
-          <a:prstGeom prst="rect">
-            <a:avLst/>
-          </a:prstGeom>
-        </p:spPr>
-      </p:pic>
-      <p:pic>
-        <p:nvPicPr>
-          <p:cNvPr id="85" name="Picture 84">
-            <a:extLst>
-              <a:ext uri="{FF2B5EF4-FFF2-40B4-BE49-F238E27FC236}">
-                <a16:creationId xmlns:a16="http://schemas.microsoft.com/office/drawing/2014/main" id="{D0B4A754-E053-42F9-98E3-9936C675406A}"/>
-              </a:ext>
-            </a:extLst>
-          </p:cNvPr>
-          <p:cNvPicPr>
-            <a:picLocks noChangeAspect="1"/>
-          </p:cNvPicPr>
-          <p:nvPr/>
-        </p:nvPicPr>
-        <p:blipFill>
-          <a:blip r:embed="rId6"/>
-          <a:stretch>
-            <a:fillRect/>
-          </a:stretch>
-        </p:blipFill>
-        <p:spPr>
-          <a:xfrm>
-            <a:off x="762230" y="771935"/>
-            <a:ext cx="3415820" cy="1259368"/>
-          </a:xfrm>
-          <a:prstGeom prst="rect">
-            <a:avLst/>
-          </a:prstGeom>
-        </p:spPr>
-      </p:pic>
-      <p:pic>
-        <p:nvPicPr>
-          <p:cNvPr id="87" name="Picture 86">
-            <a:extLst>
-              <a:ext uri="{FF2B5EF4-FFF2-40B4-BE49-F238E27FC236}">
-                <a16:creationId xmlns:a16="http://schemas.microsoft.com/office/drawing/2014/main" id="{599483C6-5C07-4752-A701-79B5F1BD2BEF}"/>
-              </a:ext>
-            </a:extLst>
-          </p:cNvPr>
-          <p:cNvPicPr>
-            <a:picLocks noChangeAspect="1"/>
-          </p:cNvPicPr>
-          <p:nvPr/>
-        </p:nvPicPr>
-        <p:blipFill>
-          <a:blip r:embed="rId7"/>
-          <a:stretch>
-            <a:fillRect/>
-          </a:stretch>
-        </p:blipFill>
-        <p:spPr>
-          <a:xfrm>
-            <a:off x="5831734" y="1054933"/>
-            <a:ext cx="3414584" cy="1258913"/>
-          </a:xfrm>
-          <a:prstGeom prst="rect">
-            <a:avLst/>
-          </a:prstGeom>
-        </p:spPr>
-      </p:pic>
-      <p:pic>
-        <p:nvPicPr>
-          <p:cNvPr id="89" name="Picture 88">
-            <a:extLst>
-              <a:ext uri="{FF2B5EF4-FFF2-40B4-BE49-F238E27FC236}">
-                <a16:creationId xmlns:a16="http://schemas.microsoft.com/office/drawing/2014/main" id="{51CAC3FB-C29B-48A4-AD56-F771FF508696}"/>
-              </a:ext>
-            </a:extLst>
-          </p:cNvPr>
-          <p:cNvPicPr>
-            <a:picLocks noChangeAspect="1"/>
-          </p:cNvPicPr>
-          <p:nvPr/>
-        </p:nvPicPr>
-        <p:blipFill>
-          <a:blip r:embed="rId8"/>
-          <a:stretch>
-            <a:fillRect/>
-          </a:stretch>
-        </p:blipFill>
-        <p:spPr>
-          <a:xfrm>
-            <a:off x="763466" y="2895008"/>
-            <a:ext cx="3414584" cy="1407223"/>
-          </a:xfrm>
-          <a:prstGeom prst="rect">
-            <a:avLst/>
-          </a:prstGeom>
-        </p:spPr>
-      </p:pic>
-      <p:pic>
-        <p:nvPicPr>
-          <p:cNvPr id="91" name="Picture 90">
-            <a:extLst>
-              <a:ext uri="{FF2B5EF4-FFF2-40B4-BE49-F238E27FC236}">
-                <a16:creationId xmlns:a16="http://schemas.microsoft.com/office/drawing/2014/main" id="{B85B2A21-FFD9-474F-B1A5-C0219F05F567}"/>
-              </a:ext>
-            </a:extLst>
-          </p:cNvPr>
-          <p:cNvPicPr>
-            <a:picLocks noChangeAspect="1"/>
-          </p:cNvPicPr>
-          <p:nvPr/>
-        </p:nvPicPr>
-        <p:blipFill>
-          <a:blip r:embed="rId9"/>
-          <a:stretch>
-            <a:fillRect/>
-          </a:stretch>
-        </p:blipFill>
-        <p:spPr>
-          <a:xfrm>
             <a:off x="5320097" y="5736548"/>
             <a:ext cx="4080999" cy="1837031"/>
-          </a:xfrm>
-          <a:prstGeom prst="rect">
-            <a:avLst/>
-          </a:prstGeom>
-        </p:spPr>
-      </p:pic>
-      <p:pic>
-        <p:nvPicPr>
-          <p:cNvPr id="93" name="Picture 92">
-            <a:extLst>
-              <a:ext uri="{FF2B5EF4-FFF2-40B4-BE49-F238E27FC236}">
-                <a16:creationId xmlns:a16="http://schemas.microsoft.com/office/drawing/2014/main" id="{038006D3-B3EE-427B-AE1F-0FE467F2F1CE}"/>
-              </a:ext>
-            </a:extLst>
-          </p:cNvPr>
-          <p:cNvPicPr>
-            <a:picLocks noChangeAspect="1"/>
-          </p:cNvPicPr>
-          <p:nvPr/>
-        </p:nvPicPr>
-        <p:blipFill>
-          <a:blip r:embed="rId10"/>
-          <a:stretch>
-            <a:fillRect/>
-          </a:stretch>
-        </p:blipFill>
-        <p:spPr>
-          <a:xfrm>
-            <a:off x="5499151" y="4610366"/>
-            <a:ext cx="3722890" cy="899286"/>
-          </a:xfrm>
-          <a:prstGeom prst="rect">
-            <a:avLst/>
-          </a:prstGeom>
-        </p:spPr>
-      </p:pic>
-      <p:pic>
-        <p:nvPicPr>
-          <p:cNvPr id="95" name="Picture 94">
-            <a:extLst>
-              <a:ext uri="{FF2B5EF4-FFF2-40B4-BE49-F238E27FC236}">
-                <a16:creationId xmlns:a16="http://schemas.microsoft.com/office/drawing/2014/main" id="{8744B4A4-BB84-413F-A25E-8DF71CEC0F65}"/>
-              </a:ext>
-            </a:extLst>
-          </p:cNvPr>
-          <p:cNvPicPr>
-            <a:picLocks noChangeAspect="1"/>
-          </p:cNvPicPr>
-          <p:nvPr/>
-        </p:nvPicPr>
-        <p:blipFill>
-          <a:blip r:embed="rId11"/>
-          <a:stretch>
-            <a:fillRect/>
-          </a:stretch>
-        </p:blipFill>
-        <p:spPr>
-          <a:xfrm>
-            <a:off x="420785" y="4824267"/>
-            <a:ext cx="3722890" cy="899286"/>
-          </a:xfrm>
-          <a:prstGeom prst="rect">
-            <a:avLst/>
-          </a:prstGeom>
-        </p:spPr>
-      </p:pic>
-      <p:pic>
-        <p:nvPicPr>
-          <p:cNvPr id="97" name="Picture 96">
-            <a:extLst>
-              <a:ext uri="{FF2B5EF4-FFF2-40B4-BE49-F238E27FC236}">
-                <a16:creationId xmlns:a16="http://schemas.microsoft.com/office/drawing/2014/main" id="{D7A34AC4-6F9A-4000-97A9-7302D818D3F0}"/>
-              </a:ext>
-            </a:extLst>
-          </p:cNvPr>
-          <p:cNvPicPr>
-            <a:picLocks noChangeAspect="1"/>
-          </p:cNvPicPr>
-          <p:nvPr/>
-        </p:nvPicPr>
-        <p:blipFill>
-          <a:blip r:embed="rId12"/>
-          <a:stretch>
-            <a:fillRect/>
-          </a:stretch>
-        </p:blipFill>
-        <p:spPr>
-          <a:xfrm>
-            <a:off x="420785" y="5399163"/>
-            <a:ext cx="3955407" cy="1898830"/>
-          </a:xfrm>
-          <a:prstGeom prst="rect">
-            <a:avLst/>
-          </a:prstGeom>
-        </p:spPr>
-      </p:pic>
-      <p:pic>
-        <p:nvPicPr>
-          <p:cNvPr id="99" name="Picture 98">
-            <a:extLst>
-              <a:ext uri="{FF2B5EF4-FFF2-40B4-BE49-F238E27FC236}">
-                <a16:creationId xmlns:a16="http://schemas.microsoft.com/office/drawing/2014/main" id="{B0F432C1-B067-4F0D-84DC-8260D1EBF81E}"/>
-              </a:ext>
-            </a:extLst>
-          </p:cNvPr>
-          <p:cNvPicPr>
-            <a:picLocks noChangeAspect="1"/>
-          </p:cNvPicPr>
-          <p:nvPr/>
-        </p:nvPicPr>
-        <p:blipFill>
-          <a:blip r:embed="rId13"/>
-          <a:stretch>
-            <a:fillRect/>
-          </a:stretch>
-        </p:blipFill>
-        <p:spPr>
-          <a:xfrm>
-            <a:off x="5831733" y="3174437"/>
-            <a:ext cx="3390309" cy="1246538"/>
           </a:xfrm>
           <a:prstGeom prst="rect">
             <a:avLst/>
@@ -3734,6 +3409,276 @@
           </a:p>
         </p:txBody>
       </p:sp>
+      <p:pic>
+        <p:nvPicPr>
+          <p:cNvPr id="3" name="Picture 2">
+            <a:extLst>
+              <a:ext uri="{FF2B5EF4-FFF2-40B4-BE49-F238E27FC236}">
+                <a16:creationId xmlns:a16="http://schemas.microsoft.com/office/drawing/2014/main" id="{FECC9C29-6F86-458D-87BA-3CDCB1FE9BE9}"/>
+              </a:ext>
+            </a:extLst>
+          </p:cNvPr>
+          <p:cNvPicPr>
+            <a:picLocks noChangeAspect="1"/>
+          </p:cNvPicPr>
+          <p:nvPr/>
+        </p:nvPicPr>
+        <p:blipFill>
+          <a:blip r:embed="rId3"/>
+          <a:stretch>
+            <a:fillRect/>
+          </a:stretch>
+        </p:blipFill>
+        <p:spPr>
+          <a:xfrm>
+            <a:off x="463876" y="452803"/>
+            <a:ext cx="1133633" cy="319132"/>
+          </a:xfrm>
+          <a:prstGeom prst="rect">
+            <a:avLst/>
+          </a:prstGeom>
+        </p:spPr>
+      </p:pic>
+      <p:pic>
+        <p:nvPicPr>
+          <p:cNvPr id="12" name="Picture 11">
+            <a:extLst>
+              <a:ext uri="{FF2B5EF4-FFF2-40B4-BE49-F238E27FC236}">
+                <a16:creationId xmlns:a16="http://schemas.microsoft.com/office/drawing/2014/main" id="{78F72602-F922-40A6-AE6F-6E5987E9F53D}"/>
+              </a:ext>
+            </a:extLst>
+          </p:cNvPr>
+          <p:cNvPicPr>
+            <a:picLocks noChangeAspect="1"/>
+          </p:cNvPicPr>
+          <p:nvPr/>
+        </p:nvPicPr>
+        <p:blipFill>
+          <a:blip r:embed="rId4"/>
+          <a:stretch>
+            <a:fillRect/>
+          </a:stretch>
+        </p:blipFill>
+        <p:spPr>
+          <a:xfrm>
+            <a:off x="5407852" y="446433"/>
+            <a:ext cx="2124372" cy="309606"/>
+          </a:xfrm>
+          <a:prstGeom prst="rect">
+            <a:avLst/>
+          </a:prstGeom>
+        </p:spPr>
+      </p:pic>
+      <p:pic>
+        <p:nvPicPr>
+          <p:cNvPr id="16" name="Picture 15">
+            <a:extLst>
+              <a:ext uri="{FF2B5EF4-FFF2-40B4-BE49-F238E27FC236}">
+                <a16:creationId xmlns:a16="http://schemas.microsoft.com/office/drawing/2014/main" id="{536E6E18-65FB-4724-879E-CDB1BF268DE0}"/>
+              </a:ext>
+            </a:extLst>
+          </p:cNvPr>
+          <p:cNvPicPr>
+            <a:picLocks noChangeAspect="1"/>
+          </p:cNvPicPr>
+          <p:nvPr/>
+        </p:nvPicPr>
+        <p:blipFill>
+          <a:blip r:embed="rId5"/>
+          <a:stretch>
+            <a:fillRect/>
+          </a:stretch>
+        </p:blipFill>
+        <p:spPr>
+          <a:xfrm>
+            <a:off x="5402514" y="4783915"/>
+            <a:ext cx="3929611" cy="952633"/>
+          </a:xfrm>
+          <a:prstGeom prst="rect">
+            <a:avLst/>
+          </a:prstGeom>
+        </p:spPr>
+      </p:pic>
+      <p:pic>
+        <p:nvPicPr>
+          <p:cNvPr id="28" name="Picture 27">
+            <a:extLst>
+              <a:ext uri="{FF2B5EF4-FFF2-40B4-BE49-F238E27FC236}">
+                <a16:creationId xmlns:a16="http://schemas.microsoft.com/office/drawing/2014/main" id="{9FF849B3-0076-477A-BB3A-BB3E817FC06E}"/>
+              </a:ext>
+            </a:extLst>
+          </p:cNvPr>
+          <p:cNvPicPr>
+            <a:picLocks noChangeAspect="1"/>
+          </p:cNvPicPr>
+          <p:nvPr/>
+        </p:nvPicPr>
+        <p:blipFill>
+          <a:blip r:embed="rId6"/>
+          <a:stretch>
+            <a:fillRect/>
+          </a:stretch>
+        </p:blipFill>
+        <p:spPr>
+          <a:xfrm>
+            <a:off x="5583514" y="790438"/>
+            <a:ext cx="3143689" cy="1448002"/>
+          </a:xfrm>
+          <a:prstGeom prst="rect">
+            <a:avLst/>
+          </a:prstGeom>
+        </p:spPr>
+      </p:pic>
+      <p:pic>
+        <p:nvPicPr>
+          <p:cNvPr id="46" name="Picture 45">
+            <a:extLst>
+              <a:ext uri="{FF2B5EF4-FFF2-40B4-BE49-F238E27FC236}">
+                <a16:creationId xmlns:a16="http://schemas.microsoft.com/office/drawing/2014/main" id="{1834403E-A51F-495B-AE66-CC9C2CB13D4E}"/>
+              </a:ext>
+            </a:extLst>
+          </p:cNvPr>
+          <p:cNvPicPr>
+            <a:picLocks noChangeAspect="1"/>
+          </p:cNvPicPr>
+          <p:nvPr/>
+        </p:nvPicPr>
+        <p:blipFill>
+          <a:blip r:embed="rId7"/>
+          <a:stretch>
+            <a:fillRect/>
+          </a:stretch>
+        </p:blipFill>
+        <p:spPr>
+          <a:xfrm>
+            <a:off x="739884" y="812341"/>
+            <a:ext cx="3143689" cy="1157449"/>
+          </a:xfrm>
+          <a:prstGeom prst="rect">
+            <a:avLst/>
+          </a:prstGeom>
+        </p:spPr>
+      </p:pic>
+      <p:pic>
+        <p:nvPicPr>
+          <p:cNvPr id="48" name="Picture 47">
+            <a:extLst>
+              <a:ext uri="{FF2B5EF4-FFF2-40B4-BE49-F238E27FC236}">
+                <a16:creationId xmlns:a16="http://schemas.microsoft.com/office/drawing/2014/main" id="{2B6283F3-E646-4D34-A7EB-6D03ACFC8262}"/>
+              </a:ext>
+            </a:extLst>
+          </p:cNvPr>
+          <p:cNvPicPr>
+            <a:picLocks noChangeAspect="1"/>
+          </p:cNvPicPr>
+          <p:nvPr/>
+        </p:nvPicPr>
+        <p:blipFill>
+          <a:blip r:embed="rId8"/>
+          <a:stretch>
+            <a:fillRect/>
+          </a:stretch>
+        </p:blipFill>
+        <p:spPr>
+          <a:xfrm>
+            <a:off x="739884" y="2927487"/>
+            <a:ext cx="3143689" cy="1152686"/>
+          </a:xfrm>
+          <a:prstGeom prst="rect">
+            <a:avLst/>
+          </a:prstGeom>
+        </p:spPr>
+      </p:pic>
+      <p:pic>
+        <p:nvPicPr>
+          <p:cNvPr id="36" name="Picture 35">
+            <a:extLst>
+              <a:ext uri="{FF2B5EF4-FFF2-40B4-BE49-F238E27FC236}">
+                <a16:creationId xmlns:a16="http://schemas.microsoft.com/office/drawing/2014/main" id="{3D5A026D-7EEA-4F50-8550-A5FD4BA8648C}"/>
+              </a:ext>
+            </a:extLst>
+          </p:cNvPr>
+          <p:cNvPicPr>
+            <a:picLocks noChangeAspect="1"/>
+          </p:cNvPicPr>
+          <p:nvPr/>
+        </p:nvPicPr>
+        <p:blipFill>
+          <a:blip r:embed="rId9"/>
+          <a:stretch>
+            <a:fillRect/>
+          </a:stretch>
+        </p:blipFill>
+        <p:spPr>
+          <a:xfrm>
+            <a:off x="530465" y="2517308"/>
+            <a:ext cx="1981477" cy="347711"/>
+          </a:xfrm>
+          <a:prstGeom prst="rect">
+            <a:avLst/>
+          </a:prstGeom>
+        </p:spPr>
+      </p:pic>
+      <p:pic>
+        <p:nvPicPr>
+          <p:cNvPr id="38" name="Picture 37">
+            <a:extLst>
+              <a:ext uri="{FF2B5EF4-FFF2-40B4-BE49-F238E27FC236}">
+                <a16:creationId xmlns:a16="http://schemas.microsoft.com/office/drawing/2014/main" id="{5809381E-F5C3-4416-9D7A-50C4C46CC369}"/>
+              </a:ext>
+            </a:extLst>
+          </p:cNvPr>
+          <p:cNvPicPr>
+            <a:picLocks noChangeAspect="1"/>
+          </p:cNvPicPr>
+          <p:nvPr/>
+        </p:nvPicPr>
+        <p:blipFill>
+          <a:blip r:embed="rId10"/>
+          <a:stretch>
+            <a:fillRect/>
+          </a:stretch>
+        </p:blipFill>
+        <p:spPr>
+          <a:xfrm>
+            <a:off x="612090" y="5376443"/>
+            <a:ext cx="4043927" cy="1857634"/>
+          </a:xfrm>
+          <a:prstGeom prst="rect">
+            <a:avLst/>
+          </a:prstGeom>
+        </p:spPr>
+      </p:pic>
+      <p:pic>
+        <p:nvPicPr>
+          <p:cNvPr id="40" name="Picture 39">
+            <a:extLst>
+              <a:ext uri="{FF2B5EF4-FFF2-40B4-BE49-F238E27FC236}">
+                <a16:creationId xmlns:a16="http://schemas.microsoft.com/office/drawing/2014/main" id="{CC96CC66-EADD-4052-9A36-C9E8CAF28909}"/>
+              </a:ext>
+            </a:extLst>
+          </p:cNvPr>
+          <p:cNvPicPr>
+            <a:picLocks noChangeAspect="1"/>
+          </p:cNvPicPr>
+          <p:nvPr/>
+        </p:nvPicPr>
+        <p:blipFill>
+          <a:blip r:embed="rId11"/>
+          <a:stretch>
+            <a:fillRect/>
+          </a:stretch>
+        </p:blipFill>
+        <p:spPr>
+          <a:xfrm>
+            <a:off x="463928" y="4783915"/>
+            <a:ext cx="2114550" cy="371475"/>
+          </a:xfrm>
+          <a:prstGeom prst="rect">
+            <a:avLst/>
+          </a:prstGeom>
+        </p:spPr>
+      </p:pic>
     </p:spTree>
     <p:extLst>
       <p:ext uri="{BB962C8B-B14F-4D97-AF65-F5344CB8AC3E}">

--- a/wip-design/figures/thegamma-more.pptx
+++ b/wip-design/figures/thegamma-more.pptx
@@ -2993,8 +2993,8 @@
         </p:blipFill>
         <p:spPr>
           <a:xfrm>
-            <a:off x="5320097" y="5736548"/>
-            <a:ext cx="4080999" cy="1837031"/>
+            <a:off x="5024423" y="5689078"/>
+            <a:ext cx="3846604" cy="1731520"/>
           </a:xfrm>
           <a:prstGeom prst="rect">
             <a:avLst/>
@@ -3219,7 +3219,7 @@
         </p:nvSpPr>
         <p:spPr>
           <a:xfrm>
-            <a:off x="5058840" y="86809"/>
+            <a:off x="4763166" y="86809"/>
             <a:ext cx="261257" cy="261257"/>
           </a:xfrm>
           <a:prstGeom prst="ellipse">
@@ -3287,7 +3287,7 @@
         </p:nvSpPr>
         <p:spPr>
           <a:xfrm>
-            <a:off x="5058839" y="2183216"/>
+            <a:off x="4763165" y="2183216"/>
             <a:ext cx="261257" cy="261257"/>
           </a:xfrm>
           <a:prstGeom prst="ellipse">
@@ -3355,7 +3355,7 @@
         </p:nvSpPr>
         <p:spPr>
           <a:xfrm>
-            <a:off x="5058838" y="4458431"/>
+            <a:off x="4763164" y="4458431"/>
             <a:ext cx="261257" cy="261257"/>
           </a:xfrm>
           <a:prstGeom prst="ellipse">
@@ -3441,10 +3441,10 @@
       </p:pic>
       <p:pic>
         <p:nvPicPr>
-          <p:cNvPr id="12" name="Picture 11">
+          <p:cNvPr id="16" name="Picture 15">
             <a:extLst>
               <a:ext uri="{FF2B5EF4-FFF2-40B4-BE49-F238E27FC236}">
-                <a16:creationId xmlns:a16="http://schemas.microsoft.com/office/drawing/2014/main" id="{78F72602-F922-40A6-AE6F-6E5987E9F53D}"/>
+                <a16:creationId xmlns:a16="http://schemas.microsoft.com/office/drawing/2014/main" id="{536E6E18-65FB-4724-879E-CDB1BF268DE0}"/>
               </a:ext>
             </a:extLst>
           </p:cNvPr>
@@ -3461,37 +3461,7 @@
         </p:blipFill>
         <p:spPr>
           <a:xfrm>
-            <a:off x="5407852" y="446433"/>
-            <a:ext cx="2124372" cy="309606"/>
-          </a:xfrm>
-          <a:prstGeom prst="rect">
-            <a:avLst/>
-          </a:prstGeom>
-        </p:spPr>
-      </p:pic>
-      <p:pic>
-        <p:nvPicPr>
-          <p:cNvPr id="16" name="Picture 15">
-            <a:extLst>
-              <a:ext uri="{FF2B5EF4-FFF2-40B4-BE49-F238E27FC236}">
-                <a16:creationId xmlns:a16="http://schemas.microsoft.com/office/drawing/2014/main" id="{536E6E18-65FB-4724-879E-CDB1BF268DE0}"/>
-              </a:ext>
-            </a:extLst>
-          </p:cNvPr>
-          <p:cNvPicPr>
-            <a:picLocks noChangeAspect="1"/>
-          </p:cNvPicPr>
-          <p:nvPr/>
-        </p:nvPicPr>
-        <p:blipFill>
-          <a:blip r:embed="rId5"/>
-          <a:stretch>
-            <a:fillRect/>
-          </a:stretch>
-        </p:blipFill>
-        <p:spPr>
-          <a:xfrm>
-            <a:off x="5402514" y="4783915"/>
+            <a:off x="5106840" y="4783915"/>
             <a:ext cx="3929611" cy="952633"/>
           </a:xfrm>
           <a:prstGeom prst="rect">
@@ -3514,14 +3484,14 @@
           <p:nvPr/>
         </p:nvPicPr>
         <p:blipFill>
-          <a:blip r:embed="rId6"/>
+          <a:blip r:embed="rId5"/>
           <a:stretch>
             <a:fillRect/>
           </a:stretch>
         </p:blipFill>
         <p:spPr>
           <a:xfrm>
-            <a:off x="5583514" y="790438"/>
+            <a:off x="5375880" y="3010429"/>
             <a:ext cx="3143689" cy="1448002"/>
           </a:xfrm>
           <a:prstGeom prst="rect">
@@ -3544,7 +3514,7 @@
           <p:nvPr/>
         </p:nvPicPr>
         <p:blipFill>
-          <a:blip r:embed="rId7"/>
+          <a:blip r:embed="rId6"/>
           <a:stretch>
             <a:fillRect/>
           </a:stretch>
@@ -3574,7 +3544,7 @@
           <p:nvPr/>
         </p:nvPicPr>
         <p:blipFill>
-          <a:blip r:embed="rId8"/>
+          <a:blip r:embed="rId7"/>
           <a:stretch>
             <a:fillRect/>
           </a:stretch>
@@ -3604,7 +3574,7 @@
           <p:nvPr/>
         </p:nvPicPr>
         <p:blipFill>
-          <a:blip r:embed="rId9"/>
+          <a:blip r:embed="rId8"/>
           <a:stretch>
             <a:fillRect/>
           </a:stretch>
@@ -3633,16 +3603,15 @@
           </p:cNvPicPr>
           <p:nvPr/>
         </p:nvPicPr>
-        <p:blipFill>
-          <a:blip r:embed="rId10"/>
-          <a:stretch>
-            <a:fillRect/>
-          </a:stretch>
+        <p:blipFill rotWithShape="1">
+          <a:blip r:embed="rId9"/>
+          <a:srcRect r="6640"/>
+          <a:stretch/>
         </p:blipFill>
         <p:spPr>
           <a:xfrm>
-            <a:off x="612090" y="5376443"/>
-            <a:ext cx="4043927" cy="1857634"/>
+            <a:off x="463876" y="5338115"/>
+            <a:ext cx="3775397" cy="1857634"/>
           </a:xfrm>
           <a:prstGeom prst="rect">
             <a:avLst/>
@@ -3664,6 +3633,36 @@
           <p:nvPr/>
         </p:nvPicPr>
         <p:blipFill>
+          <a:blip r:embed="rId10"/>
+          <a:stretch>
+            <a:fillRect/>
+          </a:stretch>
+        </p:blipFill>
+        <p:spPr>
+          <a:xfrm>
+            <a:off x="463928" y="4783915"/>
+            <a:ext cx="2114550" cy="371475"/>
+          </a:xfrm>
+          <a:prstGeom prst="rect">
+            <a:avLst/>
+          </a:prstGeom>
+        </p:spPr>
+      </p:pic>
+      <p:pic>
+        <p:nvPicPr>
+          <p:cNvPr id="49" name="Picture 48">
+            <a:extLst>
+              <a:ext uri="{FF2B5EF4-FFF2-40B4-BE49-F238E27FC236}">
+                <a16:creationId xmlns:a16="http://schemas.microsoft.com/office/drawing/2014/main" id="{A2C3480F-421E-49D4-A4A7-DA29508638F7}"/>
+              </a:ext>
+            </a:extLst>
+          </p:cNvPr>
+          <p:cNvPicPr>
+            <a:picLocks noChangeAspect="1"/>
+          </p:cNvPicPr>
+          <p:nvPr/>
+        </p:nvPicPr>
+        <p:blipFill>
           <a:blip r:embed="rId11"/>
           <a:stretch>
             <a:fillRect/>
@@ -3671,8 +3670,67 @@
         </p:blipFill>
         <p:spPr>
           <a:xfrm>
-            <a:off x="463928" y="4783915"/>
-            <a:ext cx="2114550" cy="371475"/>
+            <a:off x="5163963" y="213300"/>
+            <a:ext cx="2505075" cy="490538"/>
+          </a:xfrm>
+          <a:prstGeom prst="rect">
+            <a:avLst/>
+          </a:prstGeom>
+        </p:spPr>
+      </p:pic>
+      <p:pic>
+        <p:nvPicPr>
+          <p:cNvPr id="51" name="Picture 50">
+            <a:extLst>
+              <a:ext uri="{FF2B5EF4-FFF2-40B4-BE49-F238E27FC236}">
+                <a16:creationId xmlns:a16="http://schemas.microsoft.com/office/drawing/2014/main" id="{658D2AFC-C16C-4BB0-B876-49D910FEB2CE}"/>
+              </a:ext>
+            </a:extLst>
+          </p:cNvPr>
+          <p:cNvPicPr>
+            <a:picLocks noChangeAspect="1"/>
+          </p:cNvPicPr>
+          <p:nvPr/>
+        </p:nvPicPr>
+        <p:blipFill rotWithShape="1">
+          <a:blip r:embed="rId12"/>
+          <a:srcRect r="8222"/>
+          <a:stretch/>
+        </p:blipFill>
+        <p:spPr>
+          <a:xfrm>
+            <a:off x="5163963" y="771935"/>
+            <a:ext cx="3707064" cy="1433713"/>
+          </a:xfrm>
+          <a:prstGeom prst="rect">
+            <a:avLst/>
+          </a:prstGeom>
+        </p:spPr>
+      </p:pic>
+      <p:pic>
+        <p:nvPicPr>
+          <p:cNvPr id="55" name="Picture 54">
+            <a:extLst>
+              <a:ext uri="{FF2B5EF4-FFF2-40B4-BE49-F238E27FC236}">
+                <a16:creationId xmlns:a16="http://schemas.microsoft.com/office/drawing/2014/main" id="{0DD21C64-4656-4050-ADD9-6D46D1F44297}"/>
+              </a:ext>
+            </a:extLst>
+          </p:cNvPr>
+          <p:cNvPicPr>
+            <a:picLocks noChangeAspect="1"/>
+          </p:cNvPicPr>
+          <p:nvPr/>
+        </p:nvPicPr>
+        <p:blipFill>
+          <a:blip r:embed="rId13"/>
+          <a:stretch>
+            <a:fillRect/>
+          </a:stretch>
+        </p:blipFill>
+        <p:spPr>
+          <a:xfrm>
+            <a:off x="5163963" y="2499459"/>
+            <a:ext cx="2419350" cy="519113"/>
           </a:xfrm>
           <a:prstGeom prst="rect">
             <a:avLst/>

--- a/wip-design/figures/thegamma-more.pptx
+++ b/wip-design/figures/thegamma-more.pptx
@@ -2,12 +2,13 @@
 <file path=ppt/presentation.xml><?xml version="1.0" encoding="utf-8"?>
 <p:presentation xmlns:a="http://schemas.openxmlformats.org/drawingml/2006/main" xmlns:r="http://schemas.openxmlformats.org/officeDocument/2006/relationships" xmlns:p="http://schemas.openxmlformats.org/presentationml/2006/main" saveSubsetFonts="1">
   <p:sldMasterIdLst>
-    <p:sldMasterId id="2147483684" r:id="rId1"/>
+    <p:sldMasterId id="2147483696" r:id="rId1"/>
   </p:sldMasterIdLst>
   <p:sldIdLst>
     <p:sldId id="256" r:id="rId2"/>
+    <p:sldId id="257" r:id="rId3"/>
   </p:sldIdLst>
-  <p:sldSz cx="9720263" cy="7920038"/>
+  <p:sldSz cx="16200438" cy="7920038"/>
   <p:notesSz cx="6858000" cy="9144000"/>
   <p:defaultTextStyle>
     <a:defPPr>
@@ -141,15 +142,15 @@
         </p:nvSpPr>
         <p:spPr>
           <a:xfrm>
-            <a:off x="729020" y="1296173"/>
-            <a:ext cx="8262224" cy="2757347"/>
+            <a:off x="2025055" y="1296173"/>
+            <a:ext cx="12150329" cy="2757347"/>
           </a:xfrm>
         </p:spPr>
         <p:txBody>
           <a:bodyPr anchor="b"/>
           <a:lstStyle>
             <a:lvl1pPr algn="ctr">
-              <a:defRPr sz="6378"/>
+              <a:defRPr sz="6929"/>
             </a:lvl1pPr>
           </a:lstStyle>
           <a:p>
@@ -173,8 +174,8 @@
         </p:nvSpPr>
         <p:spPr>
           <a:xfrm>
-            <a:off x="1215033" y="4159854"/>
-            <a:ext cx="7290197" cy="1912175"/>
+            <a:off x="2025055" y="4159854"/>
+            <a:ext cx="12150329" cy="1912175"/>
           </a:xfrm>
         </p:spPr>
         <p:txBody>
@@ -182,39 +183,39 @@
           <a:lstStyle>
             <a:lvl1pPr marL="0" indent="0" algn="ctr">
               <a:buNone/>
-              <a:defRPr sz="2551"/>
+              <a:defRPr sz="2772"/>
             </a:lvl1pPr>
-            <a:lvl2pPr marL="486004" indent="0" algn="ctr">
-              <a:buNone/>
-              <a:defRPr sz="2126"/>
+            <a:lvl2pPr marL="528020" indent="0" algn="ctr">
+              <a:buNone/>
+              <a:defRPr sz="2310"/>
             </a:lvl2pPr>
-            <a:lvl3pPr marL="972007" indent="0" algn="ctr">
-              <a:buNone/>
-              <a:defRPr sz="1913"/>
+            <a:lvl3pPr marL="1056041" indent="0" algn="ctr">
+              <a:buNone/>
+              <a:defRPr sz="2079"/>
             </a:lvl3pPr>
-            <a:lvl4pPr marL="1458011" indent="0" algn="ctr">
-              <a:buNone/>
-              <a:defRPr sz="1701"/>
+            <a:lvl4pPr marL="1584061" indent="0" algn="ctr">
+              <a:buNone/>
+              <a:defRPr sz="1848"/>
             </a:lvl4pPr>
-            <a:lvl5pPr marL="1944014" indent="0" algn="ctr">
-              <a:buNone/>
-              <a:defRPr sz="1701"/>
+            <a:lvl5pPr marL="2112081" indent="0" algn="ctr">
+              <a:buNone/>
+              <a:defRPr sz="1848"/>
             </a:lvl5pPr>
-            <a:lvl6pPr marL="2430018" indent="0" algn="ctr">
-              <a:buNone/>
-              <a:defRPr sz="1701"/>
+            <a:lvl6pPr marL="2640101" indent="0" algn="ctr">
+              <a:buNone/>
+              <a:defRPr sz="1848"/>
             </a:lvl6pPr>
-            <a:lvl7pPr marL="2916022" indent="0" algn="ctr">
-              <a:buNone/>
-              <a:defRPr sz="1701"/>
+            <a:lvl7pPr marL="3168122" indent="0" algn="ctr">
+              <a:buNone/>
+              <a:defRPr sz="1848"/>
             </a:lvl7pPr>
-            <a:lvl8pPr marL="3402025" indent="0" algn="ctr">
-              <a:buNone/>
-              <a:defRPr sz="1701"/>
+            <a:lvl8pPr marL="3696142" indent="0" algn="ctr">
+              <a:buNone/>
+              <a:defRPr sz="1848"/>
             </a:lvl8pPr>
-            <a:lvl9pPr marL="3888029" indent="0" algn="ctr">
-              <a:buNone/>
-              <a:defRPr sz="1701"/>
+            <a:lvl9pPr marL="4224162" indent="0" algn="ctr">
+              <a:buNone/>
+              <a:defRPr sz="1848"/>
             </a:lvl9pPr>
           </a:lstStyle>
           <a:p>
@@ -243,7 +244,7 @@
           <a:p>
             <a:fld id="{83B4BBB6-9BD8-4D7C-BB9E-7BCEFC8BDD28}" type="datetimeFigureOut">
               <a:rPr lang="en-US" smtClean="0"/>
-              <a:t>3/22/2021</a:t>
+              <a:t>4/2/2022</a:t>
             </a:fld>
             <a:endParaRPr lang="en-US"/>
           </a:p>
@@ -294,7 +295,7 @@
     </p:spTree>
     <p:extLst>
       <p:ext uri="{BB962C8B-B14F-4D97-AF65-F5344CB8AC3E}">
-        <p14:creationId xmlns:p14="http://schemas.microsoft.com/office/powerpoint/2010/main" val="2104780198"/>
+        <p14:creationId xmlns:p14="http://schemas.microsoft.com/office/powerpoint/2010/main" val="1848591338"/>
       </p:ext>
     </p:extLst>
   </p:cSld>
@@ -413,7 +414,7 @@
           <a:p>
             <a:fld id="{83B4BBB6-9BD8-4D7C-BB9E-7BCEFC8BDD28}" type="datetimeFigureOut">
               <a:rPr lang="en-US" smtClean="0"/>
-              <a:t>3/22/2021</a:t>
+              <a:t>4/2/2022</a:t>
             </a:fld>
             <a:endParaRPr lang="en-US"/>
           </a:p>
@@ -464,7 +465,7 @@
     </p:spTree>
     <p:extLst>
       <p:ext uri="{BB962C8B-B14F-4D97-AF65-F5344CB8AC3E}">
-        <p14:creationId xmlns:p14="http://schemas.microsoft.com/office/powerpoint/2010/main" val="840038506"/>
+        <p14:creationId xmlns:p14="http://schemas.microsoft.com/office/powerpoint/2010/main" val="112250105"/>
       </p:ext>
     </p:extLst>
   </p:cSld>
@@ -503,8 +504,8 @@
         </p:nvSpPr>
         <p:spPr>
           <a:xfrm>
-            <a:off x="6956064" y="421669"/>
-            <a:ext cx="2095932" cy="6711866"/>
+            <a:off x="11593439" y="421669"/>
+            <a:ext cx="3493219" cy="6711866"/>
           </a:xfrm>
         </p:spPr>
         <p:txBody>
@@ -531,8 +532,8 @@
         </p:nvSpPr>
         <p:spPr>
           <a:xfrm>
-            <a:off x="668269" y="421669"/>
-            <a:ext cx="6166292" cy="6711866"/>
+            <a:off x="1113780" y="421669"/>
+            <a:ext cx="10277153" cy="6711866"/>
           </a:xfrm>
         </p:spPr>
         <p:txBody>
@@ -593,7 +594,7 @@
           <a:p>
             <a:fld id="{83B4BBB6-9BD8-4D7C-BB9E-7BCEFC8BDD28}" type="datetimeFigureOut">
               <a:rPr lang="en-US" smtClean="0"/>
-              <a:t>3/22/2021</a:t>
+              <a:t>4/2/2022</a:t>
             </a:fld>
             <a:endParaRPr lang="en-US"/>
           </a:p>
@@ -644,7 +645,7 @@
     </p:spTree>
     <p:extLst>
       <p:ext uri="{BB962C8B-B14F-4D97-AF65-F5344CB8AC3E}">
-        <p14:creationId xmlns:p14="http://schemas.microsoft.com/office/powerpoint/2010/main" val="2527269305"/>
+        <p14:creationId xmlns:p14="http://schemas.microsoft.com/office/powerpoint/2010/main" val="3337392699"/>
       </p:ext>
     </p:extLst>
   </p:cSld>
@@ -763,7 +764,7 @@
           <a:p>
             <a:fld id="{83B4BBB6-9BD8-4D7C-BB9E-7BCEFC8BDD28}" type="datetimeFigureOut">
               <a:rPr lang="en-US" smtClean="0"/>
-              <a:t>3/22/2021</a:t>
+              <a:t>4/2/2022</a:t>
             </a:fld>
             <a:endParaRPr lang="en-US"/>
           </a:p>
@@ -814,7 +815,7 @@
     </p:spTree>
     <p:extLst>
       <p:ext uri="{BB962C8B-B14F-4D97-AF65-F5344CB8AC3E}">
-        <p14:creationId xmlns:p14="http://schemas.microsoft.com/office/powerpoint/2010/main" val="2390770274"/>
+        <p14:creationId xmlns:p14="http://schemas.microsoft.com/office/powerpoint/2010/main" val="2510306754"/>
       </p:ext>
     </p:extLst>
   </p:cSld>
@@ -853,15 +854,15 @@
         </p:nvSpPr>
         <p:spPr>
           <a:xfrm>
-            <a:off x="663206" y="1974512"/>
-            <a:ext cx="8383727" cy="3294515"/>
+            <a:off x="1105342" y="1974511"/>
+            <a:ext cx="13972878" cy="3294515"/>
           </a:xfrm>
         </p:spPr>
         <p:txBody>
           <a:bodyPr anchor="b"/>
           <a:lstStyle>
             <a:lvl1pPr>
-              <a:defRPr sz="6378"/>
+              <a:defRPr sz="6929"/>
             </a:lvl1pPr>
           </a:lstStyle>
           <a:p>
@@ -885,8 +886,8 @@
         </p:nvSpPr>
         <p:spPr>
           <a:xfrm>
-            <a:off x="663206" y="5300194"/>
-            <a:ext cx="8383727" cy="1732508"/>
+            <a:off x="1105342" y="5300193"/>
+            <a:ext cx="13972878" cy="1732508"/>
           </a:xfrm>
         </p:spPr>
         <p:txBody>
@@ -894,15 +895,17 @@
           <a:lstStyle>
             <a:lvl1pPr marL="0" indent="0">
               <a:buNone/>
-              <a:defRPr sz="2551">
+              <a:defRPr sz="2772">
                 <a:solidFill>
-                  <a:schemeClr val="tx1"/>
+                  <a:schemeClr val="tx1">
+                    <a:tint val="75000"/>
+                  </a:schemeClr>
                 </a:solidFill>
               </a:defRPr>
             </a:lvl1pPr>
-            <a:lvl2pPr marL="486004" indent="0">
-              <a:buNone/>
-              <a:defRPr sz="2126">
+            <a:lvl2pPr marL="528020" indent="0">
+              <a:buNone/>
+              <a:defRPr sz="2310">
                 <a:solidFill>
                   <a:schemeClr val="tx1">
                     <a:tint val="75000"/>
@@ -910,9 +913,9 @@
                 </a:solidFill>
               </a:defRPr>
             </a:lvl2pPr>
-            <a:lvl3pPr marL="972007" indent="0">
-              <a:buNone/>
-              <a:defRPr sz="1913">
+            <a:lvl3pPr marL="1056041" indent="0">
+              <a:buNone/>
+              <a:defRPr sz="2079">
                 <a:solidFill>
                   <a:schemeClr val="tx1">
                     <a:tint val="75000"/>
@@ -920,9 +923,9 @@
                 </a:solidFill>
               </a:defRPr>
             </a:lvl3pPr>
-            <a:lvl4pPr marL="1458011" indent="0">
-              <a:buNone/>
-              <a:defRPr sz="1701">
+            <a:lvl4pPr marL="1584061" indent="0">
+              <a:buNone/>
+              <a:defRPr sz="1848">
                 <a:solidFill>
                   <a:schemeClr val="tx1">
                     <a:tint val="75000"/>
@@ -930,9 +933,9 @@
                 </a:solidFill>
               </a:defRPr>
             </a:lvl4pPr>
-            <a:lvl5pPr marL="1944014" indent="0">
-              <a:buNone/>
-              <a:defRPr sz="1701">
+            <a:lvl5pPr marL="2112081" indent="0">
+              <a:buNone/>
+              <a:defRPr sz="1848">
                 <a:solidFill>
                   <a:schemeClr val="tx1">
                     <a:tint val="75000"/>
@@ -940,9 +943,9 @@
                 </a:solidFill>
               </a:defRPr>
             </a:lvl5pPr>
-            <a:lvl6pPr marL="2430018" indent="0">
-              <a:buNone/>
-              <a:defRPr sz="1701">
+            <a:lvl6pPr marL="2640101" indent="0">
+              <a:buNone/>
+              <a:defRPr sz="1848">
                 <a:solidFill>
                   <a:schemeClr val="tx1">
                     <a:tint val="75000"/>
@@ -950,9 +953,9 @@
                 </a:solidFill>
               </a:defRPr>
             </a:lvl6pPr>
-            <a:lvl7pPr marL="2916022" indent="0">
-              <a:buNone/>
-              <a:defRPr sz="1701">
+            <a:lvl7pPr marL="3168122" indent="0">
+              <a:buNone/>
+              <a:defRPr sz="1848">
                 <a:solidFill>
                   <a:schemeClr val="tx1">
                     <a:tint val="75000"/>
@@ -960,9 +963,9 @@
                 </a:solidFill>
               </a:defRPr>
             </a:lvl7pPr>
-            <a:lvl8pPr marL="3402025" indent="0">
-              <a:buNone/>
-              <a:defRPr sz="1701">
+            <a:lvl8pPr marL="3696142" indent="0">
+              <a:buNone/>
+              <a:defRPr sz="1848">
                 <a:solidFill>
                   <a:schemeClr val="tx1">
                     <a:tint val="75000"/>
@@ -970,9 +973,9 @@
                 </a:solidFill>
               </a:defRPr>
             </a:lvl8pPr>
-            <a:lvl9pPr marL="3888029" indent="0">
-              <a:buNone/>
-              <a:defRPr sz="1701">
+            <a:lvl9pPr marL="4224162" indent="0">
+              <a:buNone/>
+              <a:defRPr sz="1848">
                 <a:solidFill>
                   <a:schemeClr val="tx1">
                     <a:tint val="75000"/>
@@ -1007,7 +1010,7 @@
           <a:p>
             <a:fld id="{83B4BBB6-9BD8-4D7C-BB9E-7BCEFC8BDD28}" type="datetimeFigureOut">
               <a:rPr lang="en-US" smtClean="0"/>
-              <a:t>3/22/2021</a:t>
+              <a:t>4/2/2022</a:t>
             </a:fld>
             <a:endParaRPr lang="en-US"/>
           </a:p>
@@ -1058,7 +1061,7 @@
     </p:spTree>
     <p:extLst>
       <p:ext uri="{BB962C8B-B14F-4D97-AF65-F5344CB8AC3E}">
-        <p14:creationId xmlns:p14="http://schemas.microsoft.com/office/powerpoint/2010/main" val="1529260425"/>
+        <p14:creationId xmlns:p14="http://schemas.microsoft.com/office/powerpoint/2010/main" val="97202849"/>
       </p:ext>
     </p:extLst>
   </p:cSld>
@@ -1120,8 +1123,8 @@
         </p:nvSpPr>
         <p:spPr>
           <a:xfrm>
-            <a:off x="668268" y="2108344"/>
-            <a:ext cx="4131112" cy="5025191"/>
+            <a:off x="1113780" y="2108344"/>
+            <a:ext cx="6885186" cy="5025191"/>
           </a:xfrm>
         </p:spPr>
         <p:txBody>
@@ -1177,8 +1180,8 @@
         </p:nvSpPr>
         <p:spPr>
           <a:xfrm>
-            <a:off x="4920883" y="2108344"/>
-            <a:ext cx="4131112" cy="5025191"/>
+            <a:off x="8201472" y="2108344"/>
+            <a:ext cx="6885186" cy="5025191"/>
           </a:xfrm>
         </p:spPr>
         <p:txBody>
@@ -1239,7 +1242,7 @@
           <a:p>
             <a:fld id="{83B4BBB6-9BD8-4D7C-BB9E-7BCEFC8BDD28}" type="datetimeFigureOut">
               <a:rPr lang="en-US" smtClean="0"/>
-              <a:t>3/22/2021</a:t>
+              <a:t>4/2/2022</a:t>
             </a:fld>
             <a:endParaRPr lang="en-US"/>
           </a:p>
@@ -1290,7 +1293,7 @@
     </p:spTree>
     <p:extLst>
       <p:ext uri="{BB962C8B-B14F-4D97-AF65-F5344CB8AC3E}">
-        <p14:creationId xmlns:p14="http://schemas.microsoft.com/office/powerpoint/2010/main" val="3799259933"/>
+        <p14:creationId xmlns:p14="http://schemas.microsoft.com/office/powerpoint/2010/main" val="90692375"/>
       </p:ext>
     </p:extLst>
   </p:cSld>
@@ -1329,8 +1332,8 @@
         </p:nvSpPr>
         <p:spPr>
           <a:xfrm>
-            <a:off x="669534" y="421671"/>
-            <a:ext cx="8383727" cy="1530841"/>
+            <a:off x="1115890" y="421669"/>
+            <a:ext cx="13972878" cy="1530841"/>
           </a:xfrm>
         </p:spPr>
         <p:txBody>
@@ -1357,8 +1360,8 @@
         </p:nvSpPr>
         <p:spPr>
           <a:xfrm>
-            <a:off x="669535" y="1941510"/>
-            <a:ext cx="4112126" cy="951504"/>
+            <a:off x="1115891" y="1941510"/>
+            <a:ext cx="6853544" cy="951504"/>
           </a:xfrm>
         </p:spPr>
         <p:txBody>
@@ -1366,39 +1369,39 @@
           <a:lstStyle>
             <a:lvl1pPr marL="0" indent="0">
               <a:buNone/>
-              <a:defRPr sz="2551" b="1"/>
+              <a:defRPr sz="2772" b="1"/>
             </a:lvl1pPr>
-            <a:lvl2pPr marL="486004" indent="0">
-              <a:buNone/>
-              <a:defRPr sz="2126" b="1"/>
+            <a:lvl2pPr marL="528020" indent="0">
+              <a:buNone/>
+              <a:defRPr sz="2310" b="1"/>
             </a:lvl2pPr>
-            <a:lvl3pPr marL="972007" indent="0">
-              <a:buNone/>
-              <a:defRPr sz="1913" b="1"/>
+            <a:lvl3pPr marL="1056041" indent="0">
+              <a:buNone/>
+              <a:defRPr sz="2079" b="1"/>
             </a:lvl3pPr>
-            <a:lvl4pPr marL="1458011" indent="0">
-              <a:buNone/>
-              <a:defRPr sz="1701" b="1"/>
+            <a:lvl4pPr marL="1584061" indent="0">
+              <a:buNone/>
+              <a:defRPr sz="1848" b="1"/>
             </a:lvl4pPr>
-            <a:lvl5pPr marL="1944014" indent="0">
-              <a:buNone/>
-              <a:defRPr sz="1701" b="1"/>
+            <a:lvl5pPr marL="2112081" indent="0">
+              <a:buNone/>
+              <a:defRPr sz="1848" b="1"/>
             </a:lvl5pPr>
-            <a:lvl6pPr marL="2430018" indent="0">
-              <a:buNone/>
-              <a:defRPr sz="1701" b="1"/>
+            <a:lvl6pPr marL="2640101" indent="0">
+              <a:buNone/>
+              <a:defRPr sz="1848" b="1"/>
             </a:lvl6pPr>
-            <a:lvl7pPr marL="2916022" indent="0">
-              <a:buNone/>
-              <a:defRPr sz="1701" b="1"/>
+            <a:lvl7pPr marL="3168122" indent="0">
+              <a:buNone/>
+              <a:defRPr sz="1848" b="1"/>
             </a:lvl7pPr>
-            <a:lvl8pPr marL="3402025" indent="0">
-              <a:buNone/>
-              <a:defRPr sz="1701" b="1"/>
+            <a:lvl8pPr marL="3696142" indent="0">
+              <a:buNone/>
+              <a:defRPr sz="1848" b="1"/>
             </a:lvl8pPr>
-            <a:lvl9pPr marL="3888029" indent="0">
-              <a:buNone/>
-              <a:defRPr sz="1701" b="1"/>
+            <a:lvl9pPr marL="4224162" indent="0">
+              <a:buNone/>
+              <a:defRPr sz="1848" b="1"/>
             </a:lvl9pPr>
           </a:lstStyle>
           <a:p>
@@ -1422,8 +1425,8 @@
         </p:nvSpPr>
         <p:spPr>
           <a:xfrm>
-            <a:off x="669535" y="2893014"/>
-            <a:ext cx="4112126" cy="4255188"/>
+            <a:off x="1115891" y="2893014"/>
+            <a:ext cx="6853544" cy="4255188"/>
           </a:xfrm>
         </p:spPr>
         <p:txBody>
@@ -1479,8 +1482,8 @@
         </p:nvSpPr>
         <p:spPr>
           <a:xfrm>
-            <a:off x="4920884" y="1941510"/>
-            <a:ext cx="4132378" cy="951504"/>
+            <a:off x="8201472" y="1941510"/>
+            <a:ext cx="6887296" cy="951504"/>
           </a:xfrm>
         </p:spPr>
         <p:txBody>
@@ -1488,39 +1491,39 @@
           <a:lstStyle>
             <a:lvl1pPr marL="0" indent="0">
               <a:buNone/>
-              <a:defRPr sz="2551" b="1"/>
+              <a:defRPr sz="2772" b="1"/>
             </a:lvl1pPr>
-            <a:lvl2pPr marL="486004" indent="0">
-              <a:buNone/>
-              <a:defRPr sz="2126" b="1"/>
+            <a:lvl2pPr marL="528020" indent="0">
+              <a:buNone/>
+              <a:defRPr sz="2310" b="1"/>
             </a:lvl2pPr>
-            <a:lvl3pPr marL="972007" indent="0">
-              <a:buNone/>
-              <a:defRPr sz="1913" b="1"/>
+            <a:lvl3pPr marL="1056041" indent="0">
+              <a:buNone/>
+              <a:defRPr sz="2079" b="1"/>
             </a:lvl3pPr>
-            <a:lvl4pPr marL="1458011" indent="0">
-              <a:buNone/>
-              <a:defRPr sz="1701" b="1"/>
+            <a:lvl4pPr marL="1584061" indent="0">
+              <a:buNone/>
+              <a:defRPr sz="1848" b="1"/>
             </a:lvl4pPr>
-            <a:lvl5pPr marL="1944014" indent="0">
-              <a:buNone/>
-              <a:defRPr sz="1701" b="1"/>
+            <a:lvl5pPr marL="2112081" indent="0">
+              <a:buNone/>
+              <a:defRPr sz="1848" b="1"/>
             </a:lvl5pPr>
-            <a:lvl6pPr marL="2430018" indent="0">
-              <a:buNone/>
-              <a:defRPr sz="1701" b="1"/>
+            <a:lvl6pPr marL="2640101" indent="0">
+              <a:buNone/>
+              <a:defRPr sz="1848" b="1"/>
             </a:lvl6pPr>
-            <a:lvl7pPr marL="2916022" indent="0">
-              <a:buNone/>
-              <a:defRPr sz="1701" b="1"/>
+            <a:lvl7pPr marL="3168122" indent="0">
+              <a:buNone/>
+              <a:defRPr sz="1848" b="1"/>
             </a:lvl7pPr>
-            <a:lvl8pPr marL="3402025" indent="0">
-              <a:buNone/>
-              <a:defRPr sz="1701" b="1"/>
+            <a:lvl8pPr marL="3696142" indent="0">
+              <a:buNone/>
+              <a:defRPr sz="1848" b="1"/>
             </a:lvl8pPr>
-            <a:lvl9pPr marL="3888029" indent="0">
-              <a:buNone/>
-              <a:defRPr sz="1701" b="1"/>
+            <a:lvl9pPr marL="4224162" indent="0">
+              <a:buNone/>
+              <a:defRPr sz="1848" b="1"/>
             </a:lvl9pPr>
           </a:lstStyle>
           <a:p>
@@ -1544,8 +1547,8 @@
         </p:nvSpPr>
         <p:spPr>
           <a:xfrm>
-            <a:off x="4920884" y="2893014"/>
-            <a:ext cx="4132378" cy="4255188"/>
+            <a:off x="8201472" y="2893014"/>
+            <a:ext cx="6887296" cy="4255188"/>
           </a:xfrm>
         </p:spPr>
         <p:txBody>
@@ -1606,7 +1609,7 @@
           <a:p>
             <a:fld id="{83B4BBB6-9BD8-4D7C-BB9E-7BCEFC8BDD28}" type="datetimeFigureOut">
               <a:rPr lang="en-US" smtClean="0"/>
-              <a:t>3/22/2021</a:t>
+              <a:t>4/2/2022</a:t>
             </a:fld>
             <a:endParaRPr lang="en-US"/>
           </a:p>
@@ -1657,7 +1660,7 @@
     </p:spTree>
     <p:extLst>
       <p:ext uri="{BB962C8B-B14F-4D97-AF65-F5344CB8AC3E}">
-        <p14:creationId xmlns:p14="http://schemas.microsoft.com/office/powerpoint/2010/main" val="3185028105"/>
+        <p14:creationId xmlns:p14="http://schemas.microsoft.com/office/powerpoint/2010/main" val="1397263497"/>
       </p:ext>
     </p:extLst>
   </p:cSld>
@@ -1724,7 +1727,7 @@
           <a:p>
             <a:fld id="{83B4BBB6-9BD8-4D7C-BB9E-7BCEFC8BDD28}" type="datetimeFigureOut">
               <a:rPr lang="en-US" smtClean="0"/>
-              <a:t>3/22/2021</a:t>
+              <a:t>4/2/2022</a:t>
             </a:fld>
             <a:endParaRPr lang="en-US"/>
           </a:p>
@@ -1775,7 +1778,7 @@
     </p:spTree>
     <p:extLst>
       <p:ext uri="{BB962C8B-B14F-4D97-AF65-F5344CB8AC3E}">
-        <p14:creationId xmlns:p14="http://schemas.microsoft.com/office/powerpoint/2010/main" val="3701200089"/>
+        <p14:creationId xmlns:p14="http://schemas.microsoft.com/office/powerpoint/2010/main" val="2608018495"/>
       </p:ext>
     </p:extLst>
   </p:cSld>
@@ -1819,7 +1822,7 @@
           <a:p>
             <a:fld id="{83B4BBB6-9BD8-4D7C-BB9E-7BCEFC8BDD28}" type="datetimeFigureOut">
               <a:rPr lang="en-US" smtClean="0"/>
-              <a:t>3/22/2021</a:t>
+              <a:t>4/2/2022</a:t>
             </a:fld>
             <a:endParaRPr lang="en-US"/>
           </a:p>
@@ -1870,7 +1873,7 @@
     </p:spTree>
     <p:extLst>
       <p:ext uri="{BB962C8B-B14F-4D97-AF65-F5344CB8AC3E}">
-        <p14:creationId xmlns:p14="http://schemas.microsoft.com/office/powerpoint/2010/main" val="2763677681"/>
+        <p14:creationId xmlns:p14="http://schemas.microsoft.com/office/powerpoint/2010/main" val="212237571"/>
       </p:ext>
     </p:extLst>
   </p:cSld>
@@ -1909,15 +1912,15 @@
         </p:nvSpPr>
         <p:spPr>
           <a:xfrm>
-            <a:off x="669534" y="528002"/>
-            <a:ext cx="3135038" cy="1848009"/>
+            <a:off x="1115891" y="528002"/>
+            <a:ext cx="5225062" cy="1848009"/>
           </a:xfrm>
         </p:spPr>
         <p:txBody>
           <a:bodyPr anchor="b"/>
           <a:lstStyle>
             <a:lvl1pPr>
-              <a:defRPr sz="3402"/>
+              <a:defRPr sz="3696"/>
             </a:lvl1pPr>
           </a:lstStyle>
           <a:p>
@@ -1941,39 +1944,39 @@
         </p:nvSpPr>
         <p:spPr>
           <a:xfrm>
-            <a:off x="4132378" y="1140341"/>
-            <a:ext cx="4920883" cy="5628360"/>
+            <a:off x="6887296" y="1140340"/>
+            <a:ext cx="8201472" cy="5628360"/>
           </a:xfrm>
         </p:spPr>
         <p:txBody>
           <a:bodyPr/>
           <a:lstStyle>
             <a:lvl1pPr>
-              <a:defRPr sz="3402"/>
+              <a:defRPr sz="3696"/>
             </a:lvl1pPr>
             <a:lvl2pPr>
-              <a:defRPr sz="2976"/>
+              <a:defRPr sz="3234"/>
             </a:lvl2pPr>
             <a:lvl3pPr>
-              <a:defRPr sz="2551"/>
+              <a:defRPr sz="2772"/>
             </a:lvl3pPr>
             <a:lvl4pPr>
-              <a:defRPr sz="2126"/>
+              <a:defRPr sz="2310"/>
             </a:lvl4pPr>
             <a:lvl5pPr>
-              <a:defRPr sz="2126"/>
+              <a:defRPr sz="2310"/>
             </a:lvl5pPr>
             <a:lvl6pPr>
-              <a:defRPr sz="2126"/>
+              <a:defRPr sz="2310"/>
             </a:lvl6pPr>
             <a:lvl7pPr>
-              <a:defRPr sz="2126"/>
+              <a:defRPr sz="2310"/>
             </a:lvl7pPr>
             <a:lvl8pPr>
-              <a:defRPr sz="2126"/>
+              <a:defRPr sz="2310"/>
             </a:lvl8pPr>
             <a:lvl9pPr>
-              <a:defRPr sz="2126"/>
+              <a:defRPr sz="2310"/>
             </a:lvl9pPr>
           </a:lstStyle>
           <a:p>
@@ -2026,8 +2029,8 @@
         </p:nvSpPr>
         <p:spPr>
           <a:xfrm>
-            <a:off x="669534" y="2376011"/>
-            <a:ext cx="3135038" cy="4401855"/>
+            <a:off x="1115891" y="2376011"/>
+            <a:ext cx="5225062" cy="4401855"/>
           </a:xfrm>
         </p:spPr>
         <p:txBody>
@@ -2035,39 +2038,39 @@
           <a:lstStyle>
             <a:lvl1pPr marL="0" indent="0">
               <a:buNone/>
-              <a:defRPr sz="1701"/>
+              <a:defRPr sz="1848"/>
             </a:lvl1pPr>
-            <a:lvl2pPr marL="486004" indent="0">
-              <a:buNone/>
-              <a:defRPr sz="1488"/>
+            <a:lvl2pPr marL="528020" indent="0">
+              <a:buNone/>
+              <a:defRPr sz="1617"/>
             </a:lvl2pPr>
-            <a:lvl3pPr marL="972007" indent="0">
-              <a:buNone/>
-              <a:defRPr sz="1276"/>
+            <a:lvl3pPr marL="1056041" indent="0">
+              <a:buNone/>
+              <a:defRPr sz="1386"/>
             </a:lvl3pPr>
-            <a:lvl4pPr marL="1458011" indent="0">
-              <a:buNone/>
-              <a:defRPr sz="1063"/>
+            <a:lvl4pPr marL="1584061" indent="0">
+              <a:buNone/>
+              <a:defRPr sz="1155"/>
             </a:lvl4pPr>
-            <a:lvl5pPr marL="1944014" indent="0">
-              <a:buNone/>
-              <a:defRPr sz="1063"/>
+            <a:lvl5pPr marL="2112081" indent="0">
+              <a:buNone/>
+              <a:defRPr sz="1155"/>
             </a:lvl5pPr>
-            <a:lvl6pPr marL="2430018" indent="0">
-              <a:buNone/>
-              <a:defRPr sz="1063"/>
+            <a:lvl6pPr marL="2640101" indent="0">
+              <a:buNone/>
+              <a:defRPr sz="1155"/>
             </a:lvl6pPr>
-            <a:lvl7pPr marL="2916022" indent="0">
-              <a:buNone/>
-              <a:defRPr sz="1063"/>
+            <a:lvl7pPr marL="3168122" indent="0">
+              <a:buNone/>
+              <a:defRPr sz="1155"/>
             </a:lvl7pPr>
-            <a:lvl8pPr marL="3402025" indent="0">
-              <a:buNone/>
-              <a:defRPr sz="1063"/>
+            <a:lvl8pPr marL="3696142" indent="0">
+              <a:buNone/>
+              <a:defRPr sz="1155"/>
             </a:lvl8pPr>
-            <a:lvl9pPr marL="3888029" indent="0">
-              <a:buNone/>
-              <a:defRPr sz="1063"/>
+            <a:lvl9pPr marL="4224162" indent="0">
+              <a:buNone/>
+              <a:defRPr sz="1155"/>
             </a:lvl9pPr>
           </a:lstStyle>
           <a:p>
@@ -2096,7 +2099,7 @@
           <a:p>
             <a:fld id="{83B4BBB6-9BD8-4D7C-BB9E-7BCEFC8BDD28}" type="datetimeFigureOut">
               <a:rPr lang="en-US" smtClean="0"/>
-              <a:t>3/22/2021</a:t>
+              <a:t>4/2/2022</a:t>
             </a:fld>
             <a:endParaRPr lang="en-US"/>
           </a:p>
@@ -2147,7 +2150,7 @@
     </p:spTree>
     <p:extLst>
       <p:ext uri="{BB962C8B-B14F-4D97-AF65-F5344CB8AC3E}">
-        <p14:creationId xmlns:p14="http://schemas.microsoft.com/office/powerpoint/2010/main" val="800031015"/>
+        <p14:creationId xmlns:p14="http://schemas.microsoft.com/office/powerpoint/2010/main" val="402546861"/>
       </p:ext>
     </p:extLst>
   </p:cSld>
@@ -2186,15 +2189,15 @@
         </p:nvSpPr>
         <p:spPr>
           <a:xfrm>
-            <a:off x="669534" y="528002"/>
-            <a:ext cx="3135038" cy="1848009"/>
+            <a:off x="1115891" y="528002"/>
+            <a:ext cx="5225062" cy="1848009"/>
           </a:xfrm>
         </p:spPr>
         <p:txBody>
           <a:bodyPr anchor="b"/>
           <a:lstStyle>
             <a:lvl1pPr>
-              <a:defRPr sz="3402"/>
+              <a:defRPr sz="3696"/>
             </a:lvl1pPr>
           </a:lstStyle>
           <a:p>
@@ -2218,8 +2221,8 @@
         </p:nvSpPr>
         <p:spPr>
           <a:xfrm>
-            <a:off x="4132378" y="1140341"/>
-            <a:ext cx="4920883" cy="5628360"/>
+            <a:off x="6887296" y="1140340"/>
+            <a:ext cx="8201472" cy="5628360"/>
           </a:xfrm>
         </p:spPr>
         <p:txBody>
@@ -2227,39 +2230,39 @@
           <a:lstStyle>
             <a:lvl1pPr marL="0" indent="0">
               <a:buNone/>
-              <a:defRPr sz="3402"/>
+              <a:defRPr sz="3696"/>
             </a:lvl1pPr>
-            <a:lvl2pPr marL="486004" indent="0">
-              <a:buNone/>
-              <a:defRPr sz="2976"/>
+            <a:lvl2pPr marL="528020" indent="0">
+              <a:buNone/>
+              <a:defRPr sz="3234"/>
             </a:lvl2pPr>
-            <a:lvl3pPr marL="972007" indent="0">
-              <a:buNone/>
-              <a:defRPr sz="2551"/>
+            <a:lvl3pPr marL="1056041" indent="0">
+              <a:buNone/>
+              <a:defRPr sz="2772"/>
             </a:lvl3pPr>
-            <a:lvl4pPr marL="1458011" indent="0">
-              <a:buNone/>
-              <a:defRPr sz="2126"/>
+            <a:lvl4pPr marL="1584061" indent="0">
+              <a:buNone/>
+              <a:defRPr sz="2310"/>
             </a:lvl4pPr>
-            <a:lvl5pPr marL="1944014" indent="0">
-              <a:buNone/>
-              <a:defRPr sz="2126"/>
+            <a:lvl5pPr marL="2112081" indent="0">
+              <a:buNone/>
+              <a:defRPr sz="2310"/>
             </a:lvl5pPr>
-            <a:lvl6pPr marL="2430018" indent="0">
-              <a:buNone/>
-              <a:defRPr sz="2126"/>
+            <a:lvl6pPr marL="2640101" indent="0">
+              <a:buNone/>
+              <a:defRPr sz="2310"/>
             </a:lvl6pPr>
-            <a:lvl7pPr marL="2916022" indent="0">
-              <a:buNone/>
-              <a:defRPr sz="2126"/>
+            <a:lvl7pPr marL="3168122" indent="0">
+              <a:buNone/>
+              <a:defRPr sz="2310"/>
             </a:lvl7pPr>
-            <a:lvl8pPr marL="3402025" indent="0">
-              <a:buNone/>
-              <a:defRPr sz="2126"/>
+            <a:lvl8pPr marL="3696142" indent="0">
+              <a:buNone/>
+              <a:defRPr sz="2310"/>
             </a:lvl8pPr>
-            <a:lvl9pPr marL="3888029" indent="0">
-              <a:buNone/>
-              <a:defRPr sz="2126"/>
+            <a:lvl9pPr marL="4224162" indent="0">
+              <a:buNone/>
+              <a:defRPr sz="2310"/>
             </a:lvl9pPr>
           </a:lstStyle>
           <a:p>
@@ -2283,8 +2286,8 @@
         </p:nvSpPr>
         <p:spPr>
           <a:xfrm>
-            <a:off x="669534" y="2376011"/>
-            <a:ext cx="3135038" cy="4401855"/>
+            <a:off x="1115891" y="2376011"/>
+            <a:ext cx="5225062" cy="4401855"/>
           </a:xfrm>
         </p:spPr>
         <p:txBody>
@@ -2292,39 +2295,39 @@
           <a:lstStyle>
             <a:lvl1pPr marL="0" indent="0">
               <a:buNone/>
-              <a:defRPr sz="1701"/>
+              <a:defRPr sz="1848"/>
             </a:lvl1pPr>
-            <a:lvl2pPr marL="486004" indent="0">
-              <a:buNone/>
-              <a:defRPr sz="1488"/>
+            <a:lvl2pPr marL="528020" indent="0">
+              <a:buNone/>
+              <a:defRPr sz="1617"/>
             </a:lvl2pPr>
-            <a:lvl3pPr marL="972007" indent="0">
-              <a:buNone/>
-              <a:defRPr sz="1276"/>
+            <a:lvl3pPr marL="1056041" indent="0">
+              <a:buNone/>
+              <a:defRPr sz="1386"/>
             </a:lvl3pPr>
-            <a:lvl4pPr marL="1458011" indent="0">
-              <a:buNone/>
-              <a:defRPr sz="1063"/>
+            <a:lvl4pPr marL="1584061" indent="0">
+              <a:buNone/>
+              <a:defRPr sz="1155"/>
             </a:lvl4pPr>
-            <a:lvl5pPr marL="1944014" indent="0">
-              <a:buNone/>
-              <a:defRPr sz="1063"/>
+            <a:lvl5pPr marL="2112081" indent="0">
+              <a:buNone/>
+              <a:defRPr sz="1155"/>
             </a:lvl5pPr>
-            <a:lvl6pPr marL="2430018" indent="0">
-              <a:buNone/>
-              <a:defRPr sz="1063"/>
+            <a:lvl6pPr marL="2640101" indent="0">
+              <a:buNone/>
+              <a:defRPr sz="1155"/>
             </a:lvl6pPr>
-            <a:lvl7pPr marL="2916022" indent="0">
-              <a:buNone/>
-              <a:defRPr sz="1063"/>
+            <a:lvl7pPr marL="3168122" indent="0">
+              <a:buNone/>
+              <a:defRPr sz="1155"/>
             </a:lvl7pPr>
-            <a:lvl8pPr marL="3402025" indent="0">
-              <a:buNone/>
-              <a:defRPr sz="1063"/>
+            <a:lvl8pPr marL="3696142" indent="0">
+              <a:buNone/>
+              <a:defRPr sz="1155"/>
             </a:lvl8pPr>
-            <a:lvl9pPr marL="3888029" indent="0">
-              <a:buNone/>
-              <a:defRPr sz="1063"/>
+            <a:lvl9pPr marL="4224162" indent="0">
+              <a:buNone/>
+              <a:defRPr sz="1155"/>
             </a:lvl9pPr>
           </a:lstStyle>
           <a:p>
@@ -2353,7 +2356,7 @@
           <a:p>
             <a:fld id="{83B4BBB6-9BD8-4D7C-BB9E-7BCEFC8BDD28}" type="datetimeFigureOut">
               <a:rPr lang="en-US" smtClean="0"/>
-              <a:t>3/22/2021</a:t>
+              <a:t>4/2/2022</a:t>
             </a:fld>
             <a:endParaRPr lang="en-US"/>
           </a:p>
@@ -2404,7 +2407,7 @@
     </p:spTree>
     <p:extLst>
       <p:ext uri="{BB962C8B-B14F-4D97-AF65-F5344CB8AC3E}">
-        <p14:creationId xmlns:p14="http://schemas.microsoft.com/office/powerpoint/2010/main" val="1997752892"/>
+        <p14:creationId xmlns:p14="http://schemas.microsoft.com/office/powerpoint/2010/main" val="1493391261"/>
       </p:ext>
     </p:extLst>
   </p:cSld>
@@ -2448,8 +2451,8 @@
         </p:nvSpPr>
         <p:spPr>
           <a:xfrm>
-            <a:off x="668268" y="421671"/>
-            <a:ext cx="8383727" cy="1530841"/>
+            <a:off x="1113780" y="421669"/>
+            <a:ext cx="13972878" cy="1530841"/>
           </a:xfrm>
           <a:prstGeom prst="rect">
             <a:avLst/>
@@ -2481,8 +2484,8 @@
         </p:nvSpPr>
         <p:spPr>
           <a:xfrm>
-            <a:off x="668268" y="2108344"/>
-            <a:ext cx="8383727" cy="5025191"/>
+            <a:off x="1113780" y="2108344"/>
+            <a:ext cx="13972878" cy="5025191"/>
           </a:xfrm>
           <a:prstGeom prst="rect">
             <a:avLst/>
@@ -2543,8 +2546,8 @@
         </p:nvSpPr>
         <p:spPr>
           <a:xfrm>
-            <a:off x="668268" y="7340703"/>
-            <a:ext cx="2187059" cy="421669"/>
+            <a:off x="1113780" y="7340702"/>
+            <a:ext cx="3645099" cy="421669"/>
           </a:xfrm>
           <a:prstGeom prst="rect">
             <a:avLst/>
@@ -2554,7 +2557,7 @@
           <a:bodyPr vert="horz" lIns="91440" tIns="45720" rIns="91440" bIns="45720" rtlCol="0" anchor="ctr"/>
           <a:lstStyle>
             <a:lvl1pPr algn="l">
-              <a:defRPr sz="1276">
+              <a:defRPr sz="1386">
                 <a:solidFill>
                   <a:schemeClr val="tx1">
                     <a:tint val="75000"/>
@@ -2566,7 +2569,7 @@
           <a:p>
             <a:fld id="{83B4BBB6-9BD8-4D7C-BB9E-7BCEFC8BDD28}" type="datetimeFigureOut">
               <a:rPr lang="en-US" smtClean="0"/>
-              <a:t>3/22/2021</a:t>
+              <a:t>4/2/2022</a:t>
             </a:fld>
             <a:endParaRPr lang="en-US"/>
           </a:p>
@@ -2584,8 +2587,8 @@
         </p:nvSpPr>
         <p:spPr>
           <a:xfrm>
-            <a:off x="3219837" y="7340703"/>
-            <a:ext cx="3280589" cy="421669"/>
+            <a:off x="5366395" y="7340702"/>
+            <a:ext cx="5467648" cy="421669"/>
           </a:xfrm>
           <a:prstGeom prst="rect">
             <a:avLst/>
@@ -2595,7 +2598,7 @@
           <a:bodyPr vert="horz" lIns="91440" tIns="45720" rIns="91440" bIns="45720" rtlCol="0" anchor="ctr"/>
           <a:lstStyle>
             <a:lvl1pPr algn="ctr">
-              <a:defRPr sz="1276">
+              <a:defRPr sz="1386">
                 <a:solidFill>
                   <a:schemeClr val="tx1">
                     <a:tint val="75000"/>
@@ -2621,8 +2624,8 @@
         </p:nvSpPr>
         <p:spPr>
           <a:xfrm>
-            <a:off x="6864936" y="7340703"/>
-            <a:ext cx="2187059" cy="421669"/>
+            <a:off x="11441559" y="7340702"/>
+            <a:ext cx="3645099" cy="421669"/>
           </a:xfrm>
           <a:prstGeom prst="rect">
             <a:avLst/>
@@ -2632,7 +2635,7 @@
           <a:bodyPr vert="horz" lIns="91440" tIns="45720" rIns="91440" bIns="45720" rtlCol="0" anchor="ctr"/>
           <a:lstStyle>
             <a:lvl1pPr algn="r">
-              <a:defRPr sz="1276">
+              <a:defRPr sz="1386">
                 <a:solidFill>
                   <a:schemeClr val="tx1">
                     <a:tint val="75000"/>
@@ -2653,27 +2656,27 @@
     </p:spTree>
     <p:extLst>
       <p:ext uri="{BB962C8B-B14F-4D97-AF65-F5344CB8AC3E}">
-        <p14:creationId xmlns:p14="http://schemas.microsoft.com/office/powerpoint/2010/main" val="3034212888"/>
+        <p14:creationId xmlns:p14="http://schemas.microsoft.com/office/powerpoint/2010/main" val="3135066391"/>
       </p:ext>
     </p:extLst>
   </p:cSld>
   <p:clrMap bg1="lt1" tx1="dk1" bg2="lt2" tx2="dk2" accent1="accent1" accent2="accent2" accent3="accent3" accent4="accent4" accent5="accent5" accent6="accent6" hlink="hlink" folHlink="folHlink"/>
   <p:sldLayoutIdLst>
-    <p:sldLayoutId id="2147483685" r:id="rId1"/>
-    <p:sldLayoutId id="2147483686" r:id="rId2"/>
-    <p:sldLayoutId id="2147483687" r:id="rId3"/>
-    <p:sldLayoutId id="2147483688" r:id="rId4"/>
-    <p:sldLayoutId id="2147483689" r:id="rId5"/>
-    <p:sldLayoutId id="2147483690" r:id="rId6"/>
-    <p:sldLayoutId id="2147483691" r:id="rId7"/>
-    <p:sldLayoutId id="2147483692" r:id="rId8"/>
-    <p:sldLayoutId id="2147483693" r:id="rId9"/>
-    <p:sldLayoutId id="2147483694" r:id="rId10"/>
-    <p:sldLayoutId id="2147483695" r:id="rId11"/>
+    <p:sldLayoutId id="2147483697" r:id="rId1"/>
+    <p:sldLayoutId id="2147483698" r:id="rId2"/>
+    <p:sldLayoutId id="2147483699" r:id="rId3"/>
+    <p:sldLayoutId id="2147483700" r:id="rId4"/>
+    <p:sldLayoutId id="2147483701" r:id="rId5"/>
+    <p:sldLayoutId id="2147483702" r:id="rId6"/>
+    <p:sldLayoutId id="2147483703" r:id="rId7"/>
+    <p:sldLayoutId id="2147483704" r:id="rId8"/>
+    <p:sldLayoutId id="2147483705" r:id="rId9"/>
+    <p:sldLayoutId id="2147483706" r:id="rId10"/>
+    <p:sldLayoutId id="2147483707" r:id="rId11"/>
   </p:sldLayoutIdLst>
   <p:txStyles>
     <p:titleStyle>
-      <a:lvl1pPr algn="l" defTabSz="972007" rtl="0" eaLnBrk="1" latinLnBrk="0" hangingPunct="1">
+      <a:lvl1pPr algn="l" defTabSz="1056041" rtl="0" eaLnBrk="1" latinLnBrk="0" hangingPunct="1">
         <a:lnSpc>
           <a:spcPct val="90000"/>
         </a:lnSpc>
@@ -2681,7 +2684,7 @@
           <a:spcPct val="0"/>
         </a:spcBef>
         <a:buNone/>
-        <a:defRPr sz="4677" kern="1200">
+        <a:defRPr sz="5082" kern="1200">
           <a:solidFill>
             <a:schemeClr val="tx1"/>
           </a:solidFill>
@@ -2692,16 +2695,16 @@
       </a:lvl1pPr>
     </p:titleStyle>
     <p:bodyStyle>
-      <a:lvl1pPr marL="243002" indent="-243002" algn="l" defTabSz="972007" rtl="0" eaLnBrk="1" latinLnBrk="0" hangingPunct="1">
+      <a:lvl1pPr marL="264010" indent="-264010" algn="l" defTabSz="1056041" rtl="0" eaLnBrk="1" latinLnBrk="0" hangingPunct="1">
         <a:lnSpc>
           <a:spcPct val="90000"/>
         </a:lnSpc>
         <a:spcBef>
-          <a:spcPts val="1063"/>
+          <a:spcPts val="1155"/>
         </a:spcBef>
         <a:buFont typeface="Arial" panose="020B0604020202020204" pitchFamily="34" charset="0"/>
         <a:buChar char="•"/>
-        <a:defRPr sz="2976" kern="1200">
+        <a:defRPr sz="3234" kern="1200">
           <a:solidFill>
             <a:schemeClr val="tx1"/>
           </a:solidFill>
@@ -2710,16 +2713,16 @@
           <a:cs typeface="+mn-cs"/>
         </a:defRPr>
       </a:lvl1pPr>
-      <a:lvl2pPr marL="729005" indent="-243002" algn="l" defTabSz="972007" rtl="0" eaLnBrk="1" latinLnBrk="0" hangingPunct="1">
+      <a:lvl2pPr marL="792030" indent="-264010" algn="l" defTabSz="1056041" rtl="0" eaLnBrk="1" latinLnBrk="0" hangingPunct="1">
         <a:lnSpc>
           <a:spcPct val="90000"/>
         </a:lnSpc>
         <a:spcBef>
-          <a:spcPts val="532"/>
+          <a:spcPts val="577"/>
         </a:spcBef>
         <a:buFont typeface="Arial" panose="020B0604020202020204" pitchFamily="34" charset="0"/>
         <a:buChar char="•"/>
-        <a:defRPr sz="2551" kern="1200">
+        <a:defRPr sz="2772" kern="1200">
           <a:solidFill>
             <a:schemeClr val="tx1"/>
           </a:solidFill>
@@ -2728,16 +2731,16 @@
           <a:cs typeface="+mn-cs"/>
         </a:defRPr>
       </a:lvl2pPr>
-      <a:lvl3pPr marL="1215009" indent="-243002" algn="l" defTabSz="972007" rtl="0" eaLnBrk="1" latinLnBrk="0" hangingPunct="1">
+      <a:lvl3pPr marL="1320051" indent="-264010" algn="l" defTabSz="1056041" rtl="0" eaLnBrk="1" latinLnBrk="0" hangingPunct="1">
         <a:lnSpc>
           <a:spcPct val="90000"/>
         </a:lnSpc>
         <a:spcBef>
-          <a:spcPts val="532"/>
+          <a:spcPts val="577"/>
         </a:spcBef>
         <a:buFont typeface="Arial" panose="020B0604020202020204" pitchFamily="34" charset="0"/>
         <a:buChar char="•"/>
-        <a:defRPr sz="2126" kern="1200">
+        <a:defRPr sz="2310" kern="1200">
           <a:solidFill>
             <a:schemeClr val="tx1"/>
           </a:solidFill>
@@ -2746,16 +2749,16 @@
           <a:cs typeface="+mn-cs"/>
         </a:defRPr>
       </a:lvl3pPr>
-      <a:lvl4pPr marL="1701013" indent="-243002" algn="l" defTabSz="972007" rtl="0" eaLnBrk="1" latinLnBrk="0" hangingPunct="1">
+      <a:lvl4pPr marL="1848071" indent="-264010" algn="l" defTabSz="1056041" rtl="0" eaLnBrk="1" latinLnBrk="0" hangingPunct="1">
         <a:lnSpc>
           <a:spcPct val="90000"/>
         </a:lnSpc>
         <a:spcBef>
-          <a:spcPts val="532"/>
+          <a:spcPts val="577"/>
         </a:spcBef>
         <a:buFont typeface="Arial" panose="020B0604020202020204" pitchFamily="34" charset="0"/>
         <a:buChar char="•"/>
-        <a:defRPr sz="1913" kern="1200">
+        <a:defRPr sz="2079" kern="1200">
           <a:solidFill>
             <a:schemeClr val="tx1"/>
           </a:solidFill>
@@ -2764,16 +2767,16 @@
           <a:cs typeface="+mn-cs"/>
         </a:defRPr>
       </a:lvl4pPr>
-      <a:lvl5pPr marL="2187016" indent="-243002" algn="l" defTabSz="972007" rtl="0" eaLnBrk="1" latinLnBrk="0" hangingPunct="1">
+      <a:lvl5pPr marL="2376091" indent="-264010" algn="l" defTabSz="1056041" rtl="0" eaLnBrk="1" latinLnBrk="0" hangingPunct="1">
         <a:lnSpc>
           <a:spcPct val="90000"/>
         </a:lnSpc>
         <a:spcBef>
-          <a:spcPts val="532"/>
+          <a:spcPts val="577"/>
         </a:spcBef>
         <a:buFont typeface="Arial" panose="020B0604020202020204" pitchFamily="34" charset="0"/>
         <a:buChar char="•"/>
-        <a:defRPr sz="1913" kern="1200">
+        <a:defRPr sz="2079" kern="1200">
           <a:solidFill>
             <a:schemeClr val="tx1"/>
           </a:solidFill>
@@ -2782,16 +2785,16 @@
           <a:cs typeface="+mn-cs"/>
         </a:defRPr>
       </a:lvl5pPr>
-      <a:lvl6pPr marL="2673020" indent="-243002" algn="l" defTabSz="972007" rtl="0" eaLnBrk="1" latinLnBrk="0" hangingPunct="1">
+      <a:lvl6pPr marL="2904112" indent="-264010" algn="l" defTabSz="1056041" rtl="0" eaLnBrk="1" latinLnBrk="0" hangingPunct="1">
         <a:lnSpc>
           <a:spcPct val="90000"/>
         </a:lnSpc>
         <a:spcBef>
-          <a:spcPts val="532"/>
+          <a:spcPts val="577"/>
         </a:spcBef>
         <a:buFont typeface="Arial" panose="020B0604020202020204" pitchFamily="34" charset="0"/>
         <a:buChar char="•"/>
-        <a:defRPr sz="1913" kern="1200">
+        <a:defRPr sz="2079" kern="1200">
           <a:solidFill>
             <a:schemeClr val="tx1"/>
           </a:solidFill>
@@ -2800,16 +2803,16 @@
           <a:cs typeface="+mn-cs"/>
         </a:defRPr>
       </a:lvl6pPr>
-      <a:lvl7pPr marL="3159023" indent="-243002" algn="l" defTabSz="972007" rtl="0" eaLnBrk="1" latinLnBrk="0" hangingPunct="1">
+      <a:lvl7pPr marL="3432132" indent="-264010" algn="l" defTabSz="1056041" rtl="0" eaLnBrk="1" latinLnBrk="0" hangingPunct="1">
         <a:lnSpc>
           <a:spcPct val="90000"/>
         </a:lnSpc>
         <a:spcBef>
-          <a:spcPts val="532"/>
+          <a:spcPts val="577"/>
         </a:spcBef>
         <a:buFont typeface="Arial" panose="020B0604020202020204" pitchFamily="34" charset="0"/>
         <a:buChar char="•"/>
-        <a:defRPr sz="1913" kern="1200">
+        <a:defRPr sz="2079" kern="1200">
           <a:solidFill>
             <a:schemeClr val="tx1"/>
           </a:solidFill>
@@ -2818,16 +2821,16 @@
           <a:cs typeface="+mn-cs"/>
         </a:defRPr>
       </a:lvl7pPr>
-      <a:lvl8pPr marL="3645027" indent="-243002" algn="l" defTabSz="972007" rtl="0" eaLnBrk="1" latinLnBrk="0" hangingPunct="1">
+      <a:lvl8pPr marL="3960152" indent="-264010" algn="l" defTabSz="1056041" rtl="0" eaLnBrk="1" latinLnBrk="0" hangingPunct="1">
         <a:lnSpc>
           <a:spcPct val="90000"/>
         </a:lnSpc>
         <a:spcBef>
-          <a:spcPts val="532"/>
+          <a:spcPts val="577"/>
         </a:spcBef>
         <a:buFont typeface="Arial" panose="020B0604020202020204" pitchFamily="34" charset="0"/>
         <a:buChar char="•"/>
-        <a:defRPr sz="1913" kern="1200">
+        <a:defRPr sz="2079" kern="1200">
           <a:solidFill>
             <a:schemeClr val="tx1"/>
           </a:solidFill>
@@ -2836,16 +2839,16 @@
           <a:cs typeface="+mn-cs"/>
         </a:defRPr>
       </a:lvl8pPr>
-      <a:lvl9pPr marL="4131031" indent="-243002" algn="l" defTabSz="972007" rtl="0" eaLnBrk="1" latinLnBrk="0" hangingPunct="1">
+      <a:lvl9pPr marL="4488172" indent="-264010" algn="l" defTabSz="1056041" rtl="0" eaLnBrk="1" latinLnBrk="0" hangingPunct="1">
         <a:lnSpc>
           <a:spcPct val="90000"/>
         </a:lnSpc>
         <a:spcBef>
-          <a:spcPts val="532"/>
+          <a:spcPts val="577"/>
         </a:spcBef>
         <a:buFont typeface="Arial" panose="020B0604020202020204" pitchFamily="34" charset="0"/>
         <a:buChar char="•"/>
-        <a:defRPr sz="1913" kern="1200">
+        <a:defRPr sz="2079" kern="1200">
           <a:solidFill>
             <a:schemeClr val="tx1"/>
           </a:solidFill>
@@ -2859,8 +2862,8 @@
       <a:defPPr>
         <a:defRPr lang="en-US"/>
       </a:defPPr>
-      <a:lvl1pPr marL="0" algn="l" defTabSz="972007" rtl="0" eaLnBrk="1" latinLnBrk="0" hangingPunct="1">
-        <a:defRPr sz="1913" kern="1200">
+      <a:lvl1pPr marL="0" algn="l" defTabSz="1056041" rtl="0" eaLnBrk="1" latinLnBrk="0" hangingPunct="1">
+        <a:defRPr sz="2079" kern="1200">
           <a:solidFill>
             <a:schemeClr val="tx1"/>
           </a:solidFill>
@@ -2869,8 +2872,8 @@
           <a:cs typeface="+mn-cs"/>
         </a:defRPr>
       </a:lvl1pPr>
-      <a:lvl2pPr marL="486004" algn="l" defTabSz="972007" rtl="0" eaLnBrk="1" latinLnBrk="0" hangingPunct="1">
-        <a:defRPr sz="1913" kern="1200">
+      <a:lvl2pPr marL="528020" algn="l" defTabSz="1056041" rtl="0" eaLnBrk="1" latinLnBrk="0" hangingPunct="1">
+        <a:defRPr sz="2079" kern="1200">
           <a:solidFill>
             <a:schemeClr val="tx1"/>
           </a:solidFill>
@@ -2879,8 +2882,8 @@
           <a:cs typeface="+mn-cs"/>
         </a:defRPr>
       </a:lvl2pPr>
-      <a:lvl3pPr marL="972007" algn="l" defTabSz="972007" rtl="0" eaLnBrk="1" latinLnBrk="0" hangingPunct="1">
-        <a:defRPr sz="1913" kern="1200">
+      <a:lvl3pPr marL="1056041" algn="l" defTabSz="1056041" rtl="0" eaLnBrk="1" latinLnBrk="0" hangingPunct="1">
+        <a:defRPr sz="2079" kern="1200">
           <a:solidFill>
             <a:schemeClr val="tx1"/>
           </a:solidFill>
@@ -2889,8 +2892,8 @@
           <a:cs typeface="+mn-cs"/>
         </a:defRPr>
       </a:lvl3pPr>
-      <a:lvl4pPr marL="1458011" algn="l" defTabSz="972007" rtl="0" eaLnBrk="1" latinLnBrk="0" hangingPunct="1">
-        <a:defRPr sz="1913" kern="1200">
+      <a:lvl4pPr marL="1584061" algn="l" defTabSz="1056041" rtl="0" eaLnBrk="1" latinLnBrk="0" hangingPunct="1">
+        <a:defRPr sz="2079" kern="1200">
           <a:solidFill>
             <a:schemeClr val="tx1"/>
           </a:solidFill>
@@ -2899,8 +2902,8 @@
           <a:cs typeface="+mn-cs"/>
         </a:defRPr>
       </a:lvl4pPr>
-      <a:lvl5pPr marL="1944014" algn="l" defTabSz="972007" rtl="0" eaLnBrk="1" latinLnBrk="0" hangingPunct="1">
-        <a:defRPr sz="1913" kern="1200">
+      <a:lvl5pPr marL="2112081" algn="l" defTabSz="1056041" rtl="0" eaLnBrk="1" latinLnBrk="0" hangingPunct="1">
+        <a:defRPr sz="2079" kern="1200">
           <a:solidFill>
             <a:schemeClr val="tx1"/>
           </a:solidFill>
@@ -2909,8 +2912,8 @@
           <a:cs typeface="+mn-cs"/>
         </a:defRPr>
       </a:lvl5pPr>
-      <a:lvl6pPr marL="2430018" algn="l" defTabSz="972007" rtl="0" eaLnBrk="1" latinLnBrk="0" hangingPunct="1">
-        <a:defRPr sz="1913" kern="1200">
+      <a:lvl6pPr marL="2640101" algn="l" defTabSz="1056041" rtl="0" eaLnBrk="1" latinLnBrk="0" hangingPunct="1">
+        <a:defRPr sz="2079" kern="1200">
           <a:solidFill>
             <a:schemeClr val="tx1"/>
           </a:solidFill>
@@ -2919,8 +2922,8 @@
           <a:cs typeface="+mn-cs"/>
         </a:defRPr>
       </a:lvl6pPr>
-      <a:lvl7pPr marL="2916022" algn="l" defTabSz="972007" rtl="0" eaLnBrk="1" latinLnBrk="0" hangingPunct="1">
-        <a:defRPr sz="1913" kern="1200">
+      <a:lvl7pPr marL="3168122" algn="l" defTabSz="1056041" rtl="0" eaLnBrk="1" latinLnBrk="0" hangingPunct="1">
+        <a:defRPr sz="2079" kern="1200">
           <a:solidFill>
             <a:schemeClr val="tx1"/>
           </a:solidFill>
@@ -2929,8 +2932,8 @@
           <a:cs typeface="+mn-cs"/>
         </a:defRPr>
       </a:lvl7pPr>
-      <a:lvl8pPr marL="3402025" algn="l" defTabSz="972007" rtl="0" eaLnBrk="1" latinLnBrk="0" hangingPunct="1">
-        <a:defRPr sz="1913" kern="1200">
+      <a:lvl8pPr marL="3696142" algn="l" defTabSz="1056041" rtl="0" eaLnBrk="1" latinLnBrk="0" hangingPunct="1">
+        <a:defRPr sz="2079" kern="1200">
           <a:solidFill>
             <a:schemeClr val="tx1"/>
           </a:solidFill>
@@ -2939,8 +2942,8 @@
           <a:cs typeface="+mn-cs"/>
         </a:defRPr>
       </a:lvl8pPr>
-      <a:lvl9pPr marL="3888029" algn="l" defTabSz="972007" rtl="0" eaLnBrk="1" latinLnBrk="0" hangingPunct="1">
-        <a:defRPr sz="1913" kern="1200">
+      <a:lvl9pPr marL="4224162" algn="l" defTabSz="1056041" rtl="0" eaLnBrk="1" latinLnBrk="0" hangingPunct="1">
+        <a:defRPr sz="2079" kern="1200">
           <a:solidFill>
             <a:schemeClr val="tx1"/>
           </a:solidFill>
@@ -2993,7 +2996,7 @@
         </p:blipFill>
         <p:spPr>
           <a:xfrm>
-            <a:off x="5024423" y="5689078"/>
+            <a:off x="8264511" y="5689078"/>
             <a:ext cx="3846604" cy="1731520"/>
           </a:xfrm>
           <a:prstGeom prst="rect">
@@ -3015,7 +3018,7 @@
         </p:nvSpPr>
         <p:spPr>
           <a:xfrm>
-            <a:off x="127161" y="86809"/>
+            <a:off x="3367250" y="86810"/>
             <a:ext cx="261257" cy="261257"/>
           </a:xfrm>
           <a:prstGeom prst="ellipse">
@@ -3083,7 +3086,7 @@
         </p:nvSpPr>
         <p:spPr>
           <a:xfrm>
-            <a:off x="127160" y="2183217"/>
+            <a:off x="3367250" y="2183218"/>
             <a:ext cx="261257" cy="261257"/>
           </a:xfrm>
           <a:prstGeom prst="ellipse">
@@ -3151,7 +3154,7 @@
         </p:nvSpPr>
         <p:spPr>
           <a:xfrm>
-            <a:off x="159529" y="4458813"/>
+            <a:off x="3399618" y="4458814"/>
             <a:ext cx="261257" cy="261257"/>
           </a:xfrm>
           <a:prstGeom prst="ellipse">
@@ -3219,7 +3222,7 @@
         </p:nvSpPr>
         <p:spPr>
           <a:xfrm>
-            <a:off x="4763166" y="86809"/>
+            <a:off x="8003255" y="86810"/>
             <a:ext cx="261257" cy="261257"/>
           </a:xfrm>
           <a:prstGeom prst="ellipse">
@@ -3287,7 +3290,7 @@
         </p:nvSpPr>
         <p:spPr>
           <a:xfrm>
-            <a:off x="4763165" y="2183216"/>
+            <a:off x="8003255" y="2183218"/>
             <a:ext cx="261257" cy="261257"/>
           </a:xfrm>
           <a:prstGeom prst="ellipse">
@@ -3355,7 +3358,7 @@
         </p:nvSpPr>
         <p:spPr>
           <a:xfrm>
-            <a:off x="4763164" y="4458431"/>
+            <a:off x="8003253" y="4458433"/>
             <a:ext cx="261257" cy="261257"/>
           </a:xfrm>
           <a:prstGeom prst="ellipse">
@@ -3431,7 +3434,7 @@
         </p:blipFill>
         <p:spPr>
           <a:xfrm>
-            <a:off x="463876" y="452803"/>
+            <a:off x="3703965" y="452803"/>
             <a:ext cx="1133633" cy="319132"/>
           </a:xfrm>
           <a:prstGeom prst="rect">
@@ -3461,7 +3464,7 @@
         </p:blipFill>
         <p:spPr>
           <a:xfrm>
-            <a:off x="5106840" y="4783915"/>
+            <a:off x="8346929" y="4783917"/>
             <a:ext cx="3929611" cy="952633"/>
           </a:xfrm>
           <a:prstGeom prst="rect">
@@ -3491,7 +3494,7 @@
         </p:blipFill>
         <p:spPr>
           <a:xfrm>
-            <a:off x="5375880" y="3010429"/>
+            <a:off x="8615969" y="3010429"/>
             <a:ext cx="3143689" cy="1448002"/>
           </a:xfrm>
           <a:prstGeom prst="rect">
@@ -3521,7 +3524,7 @@
         </p:blipFill>
         <p:spPr>
           <a:xfrm>
-            <a:off x="739884" y="812341"/>
+            <a:off x="3979973" y="812342"/>
             <a:ext cx="3143689" cy="1157449"/>
           </a:xfrm>
           <a:prstGeom prst="rect">
@@ -3551,7 +3554,7 @@
         </p:blipFill>
         <p:spPr>
           <a:xfrm>
-            <a:off x="739884" y="2927487"/>
+            <a:off x="3979973" y="2927488"/>
             <a:ext cx="3143689" cy="1152686"/>
           </a:xfrm>
           <a:prstGeom prst="rect">
@@ -3581,7 +3584,7 @@
         </p:blipFill>
         <p:spPr>
           <a:xfrm>
-            <a:off x="530465" y="2517308"/>
+            <a:off x="3770555" y="2517310"/>
             <a:ext cx="1981477" cy="347711"/>
           </a:xfrm>
           <a:prstGeom prst="rect">
@@ -3610,7 +3613,7 @@
         </p:blipFill>
         <p:spPr>
           <a:xfrm>
-            <a:off x="463876" y="5338115"/>
+            <a:off x="3703965" y="5338116"/>
             <a:ext cx="3775397" cy="1857634"/>
           </a:xfrm>
           <a:prstGeom prst="rect">
@@ -3640,7 +3643,7 @@
         </p:blipFill>
         <p:spPr>
           <a:xfrm>
-            <a:off x="463928" y="4783915"/>
+            <a:off x="3704016" y="4783917"/>
             <a:ext cx="2114550" cy="371475"/>
           </a:xfrm>
           <a:prstGeom prst="rect">
@@ -3670,7 +3673,7 @@
         </p:blipFill>
         <p:spPr>
           <a:xfrm>
-            <a:off x="5163963" y="213300"/>
+            <a:off x="8404052" y="213300"/>
             <a:ext cx="2505075" cy="490538"/>
           </a:xfrm>
           <a:prstGeom prst="rect">
@@ -3699,7 +3702,7 @@
         </p:blipFill>
         <p:spPr>
           <a:xfrm>
-            <a:off x="5163963" y="771935"/>
+            <a:off x="8404051" y="771936"/>
             <a:ext cx="3707064" cy="1433713"/>
           </a:xfrm>
           <a:prstGeom prst="rect">
@@ -3729,7 +3732,7 @@
         </p:blipFill>
         <p:spPr>
           <a:xfrm>
-            <a:off x="5163963" y="2499459"/>
+            <a:off x="8404051" y="2499460"/>
             <a:ext cx="2419350" cy="519113"/>
           </a:xfrm>
           <a:prstGeom prst="rect">
@@ -3741,6 +3744,812 @@
     <p:extLst>
       <p:ext uri="{BB962C8B-B14F-4D97-AF65-F5344CB8AC3E}">
         <p14:creationId xmlns:p14="http://schemas.microsoft.com/office/powerpoint/2010/main" val="4060322911"/>
+      </p:ext>
+    </p:extLst>
+  </p:cSld>
+  <p:clrMapOvr>
+    <a:masterClrMapping/>
+  </p:clrMapOvr>
+</p:sld>
+</file>
+
+<file path=ppt/slides/slide2.xml><?xml version="1.0" encoding="utf-8"?>
+<p:sld xmlns:a="http://schemas.openxmlformats.org/drawingml/2006/main" xmlns:r="http://schemas.openxmlformats.org/officeDocument/2006/relationships" xmlns:p="http://schemas.openxmlformats.org/presentationml/2006/main">
+  <p:cSld>
+    <p:spTree>
+      <p:nvGrpSpPr>
+        <p:cNvPr id="1" name=""/>
+        <p:cNvGrpSpPr/>
+        <p:nvPr/>
+      </p:nvGrpSpPr>
+      <p:grpSpPr>
+        <a:xfrm>
+          <a:off x="0" y="0"/>
+          <a:ext cx="0" cy="0"/>
+          <a:chOff x="0" y="0"/>
+          <a:chExt cx="0" cy="0"/>
+        </a:xfrm>
+      </p:grpSpPr>
+      <p:pic>
+        <p:nvPicPr>
+          <p:cNvPr id="91" name="Picture 90">
+            <a:extLst>
+              <a:ext uri="{FF2B5EF4-FFF2-40B4-BE49-F238E27FC236}">
+                <a16:creationId xmlns:a16="http://schemas.microsoft.com/office/drawing/2014/main" id="{B85B2A21-FFD9-474F-B1A5-C0219F05F567}"/>
+              </a:ext>
+            </a:extLst>
+          </p:cNvPr>
+          <p:cNvPicPr>
+            <a:picLocks noChangeAspect="1"/>
+          </p:cNvPicPr>
+          <p:nvPr/>
+        </p:nvPicPr>
+        <p:blipFill>
+          <a:blip r:embed="rId2"/>
+          <a:stretch>
+            <a:fillRect/>
+          </a:stretch>
+        </p:blipFill>
+        <p:spPr>
+          <a:xfrm>
+            <a:off x="6841698" y="3946003"/>
+            <a:ext cx="3846604" cy="1731520"/>
+          </a:xfrm>
+          <a:prstGeom prst="rect">
+            <a:avLst/>
+          </a:prstGeom>
+        </p:spPr>
+      </p:pic>
+      <p:sp>
+        <p:nvSpPr>
+          <p:cNvPr id="101" name="Oval 100">
+            <a:extLst>
+              <a:ext uri="{FF2B5EF4-FFF2-40B4-BE49-F238E27FC236}">
+                <a16:creationId xmlns:a16="http://schemas.microsoft.com/office/drawing/2014/main" id="{8D7BCCD1-032A-41A1-AD82-D0632CB13972}"/>
+              </a:ext>
+            </a:extLst>
+          </p:cNvPr>
+          <p:cNvSpPr/>
+          <p:nvPr/>
+        </p:nvSpPr>
+        <p:spPr>
+          <a:xfrm>
+            <a:off x="127631" y="521277"/>
+            <a:ext cx="261257" cy="261257"/>
+          </a:xfrm>
+          <a:prstGeom prst="ellipse">
+            <a:avLst/>
+          </a:prstGeom>
+          <a:solidFill>
+            <a:schemeClr val="bg1"/>
+          </a:solidFill>
+          <a:ln>
+            <a:solidFill>
+              <a:schemeClr val="tx1"/>
+            </a:solidFill>
+          </a:ln>
+          <a:effectLst>
+            <a:outerShdw blurRad="50800" dist="12700" dir="2700000" algn="tl" rotWithShape="0">
+              <a:prstClr val="black">
+                <a:alpha val="40000"/>
+              </a:prstClr>
+            </a:outerShdw>
+          </a:effectLst>
+        </p:spPr>
+        <p:style>
+          <a:lnRef idx="2">
+            <a:schemeClr val="accent1">
+              <a:shade val="50000"/>
+            </a:schemeClr>
+          </a:lnRef>
+          <a:fillRef idx="1">
+            <a:schemeClr val="accent1"/>
+          </a:fillRef>
+          <a:effectRef idx="0">
+            <a:schemeClr val="accent1"/>
+          </a:effectRef>
+          <a:fontRef idx="minor">
+            <a:schemeClr val="lt1"/>
+          </a:fontRef>
+        </p:style>
+        <p:txBody>
+          <a:bodyPr rtlCol="0" anchor="ctr"/>
+          <a:lstStyle/>
+          <a:p>
+            <a:pPr algn="ctr"/>
+            <a:r>
+              <a:rPr lang="en-US" sz="1200" b="1" dirty="0">
+                <a:solidFill>
+                  <a:schemeClr val="tx1"/>
+                </a:solidFill>
+              </a:rPr>
+              <a:t>1</a:t>
+            </a:r>
+          </a:p>
+        </p:txBody>
+      </p:sp>
+      <p:sp>
+        <p:nvSpPr>
+          <p:cNvPr id="103" name="Oval 102">
+            <a:extLst>
+              <a:ext uri="{FF2B5EF4-FFF2-40B4-BE49-F238E27FC236}">
+                <a16:creationId xmlns:a16="http://schemas.microsoft.com/office/drawing/2014/main" id="{9BEC281A-710F-463A-A932-6540A97D40CF}"/>
+              </a:ext>
+            </a:extLst>
+          </p:cNvPr>
+          <p:cNvSpPr/>
+          <p:nvPr/>
+        </p:nvSpPr>
+        <p:spPr>
+          <a:xfrm>
+            <a:off x="124818" y="2846192"/>
+            <a:ext cx="261257" cy="261257"/>
+          </a:xfrm>
+          <a:prstGeom prst="ellipse">
+            <a:avLst/>
+          </a:prstGeom>
+          <a:solidFill>
+            <a:schemeClr val="bg1"/>
+          </a:solidFill>
+          <a:ln>
+            <a:solidFill>
+              <a:schemeClr val="tx1"/>
+            </a:solidFill>
+          </a:ln>
+          <a:effectLst>
+            <a:outerShdw blurRad="50800" dist="12700" dir="2700000" algn="tl" rotWithShape="0">
+              <a:prstClr val="black">
+                <a:alpha val="40000"/>
+              </a:prstClr>
+            </a:outerShdw>
+          </a:effectLst>
+        </p:spPr>
+        <p:style>
+          <a:lnRef idx="2">
+            <a:schemeClr val="accent1">
+              <a:shade val="50000"/>
+            </a:schemeClr>
+          </a:lnRef>
+          <a:fillRef idx="1">
+            <a:schemeClr val="accent1"/>
+          </a:fillRef>
+          <a:effectRef idx="0">
+            <a:schemeClr val="accent1"/>
+          </a:effectRef>
+          <a:fontRef idx="minor">
+            <a:schemeClr val="lt1"/>
+          </a:fontRef>
+        </p:style>
+        <p:txBody>
+          <a:bodyPr rtlCol="0" anchor="ctr"/>
+          <a:lstStyle/>
+          <a:p>
+            <a:pPr algn="ctr"/>
+            <a:r>
+              <a:rPr lang="en-US" sz="1200" b="1" dirty="0">
+                <a:solidFill>
+                  <a:schemeClr val="tx1"/>
+                </a:solidFill>
+              </a:rPr>
+              <a:t>2</a:t>
+            </a:r>
+          </a:p>
+        </p:txBody>
+      </p:sp>
+      <p:sp>
+        <p:nvSpPr>
+          <p:cNvPr id="105" name="Oval 104">
+            <a:extLst>
+              <a:ext uri="{FF2B5EF4-FFF2-40B4-BE49-F238E27FC236}">
+                <a16:creationId xmlns:a16="http://schemas.microsoft.com/office/drawing/2014/main" id="{9DD3E3D3-D661-4D90-B808-66201102CC4B}"/>
+              </a:ext>
+            </a:extLst>
+          </p:cNvPr>
+          <p:cNvSpPr/>
+          <p:nvPr/>
+        </p:nvSpPr>
+        <p:spPr>
+          <a:xfrm>
+            <a:off x="3059438" y="158366"/>
+            <a:ext cx="261257" cy="261257"/>
+          </a:xfrm>
+          <a:prstGeom prst="ellipse">
+            <a:avLst/>
+          </a:prstGeom>
+          <a:solidFill>
+            <a:schemeClr val="bg1"/>
+          </a:solidFill>
+          <a:ln>
+            <a:solidFill>
+              <a:schemeClr val="tx1"/>
+            </a:solidFill>
+          </a:ln>
+          <a:effectLst>
+            <a:outerShdw blurRad="50800" dist="12700" dir="2700000" algn="tl" rotWithShape="0">
+              <a:prstClr val="black">
+                <a:alpha val="40000"/>
+              </a:prstClr>
+            </a:outerShdw>
+          </a:effectLst>
+        </p:spPr>
+        <p:style>
+          <a:lnRef idx="2">
+            <a:schemeClr val="accent1">
+              <a:shade val="50000"/>
+            </a:schemeClr>
+          </a:lnRef>
+          <a:fillRef idx="1">
+            <a:schemeClr val="accent1"/>
+          </a:fillRef>
+          <a:effectRef idx="0">
+            <a:schemeClr val="accent1"/>
+          </a:effectRef>
+          <a:fontRef idx="minor">
+            <a:schemeClr val="lt1"/>
+          </a:fontRef>
+        </p:style>
+        <p:txBody>
+          <a:bodyPr rtlCol="0" anchor="ctr"/>
+          <a:lstStyle/>
+          <a:p>
+            <a:pPr algn="ctr"/>
+            <a:r>
+              <a:rPr lang="en-US" sz="1200" b="1" dirty="0">
+                <a:solidFill>
+                  <a:schemeClr val="tx1"/>
+                </a:solidFill>
+              </a:rPr>
+              <a:t>3</a:t>
+            </a:r>
+          </a:p>
+        </p:txBody>
+      </p:sp>
+      <p:sp>
+        <p:nvSpPr>
+          <p:cNvPr id="107" name="Oval 106">
+            <a:extLst>
+              <a:ext uri="{FF2B5EF4-FFF2-40B4-BE49-F238E27FC236}">
+                <a16:creationId xmlns:a16="http://schemas.microsoft.com/office/drawing/2014/main" id="{08E26B00-C4E6-4595-9A56-96A21788DF2C}"/>
+              </a:ext>
+            </a:extLst>
+          </p:cNvPr>
+          <p:cNvSpPr/>
+          <p:nvPr/>
+        </p:nvSpPr>
+        <p:spPr>
+          <a:xfrm>
+            <a:off x="3059438" y="3119149"/>
+            <a:ext cx="261257" cy="261257"/>
+          </a:xfrm>
+          <a:prstGeom prst="ellipse">
+            <a:avLst/>
+          </a:prstGeom>
+          <a:solidFill>
+            <a:schemeClr val="bg1"/>
+          </a:solidFill>
+          <a:ln>
+            <a:solidFill>
+              <a:schemeClr val="tx1"/>
+            </a:solidFill>
+          </a:ln>
+          <a:effectLst>
+            <a:outerShdw blurRad="50800" dist="12700" dir="2700000" algn="tl" rotWithShape="0">
+              <a:prstClr val="black">
+                <a:alpha val="40000"/>
+              </a:prstClr>
+            </a:outerShdw>
+          </a:effectLst>
+        </p:spPr>
+        <p:style>
+          <a:lnRef idx="2">
+            <a:schemeClr val="accent1">
+              <a:shade val="50000"/>
+            </a:schemeClr>
+          </a:lnRef>
+          <a:fillRef idx="1">
+            <a:schemeClr val="accent1"/>
+          </a:fillRef>
+          <a:effectRef idx="0">
+            <a:schemeClr val="accent1"/>
+          </a:effectRef>
+          <a:fontRef idx="minor">
+            <a:schemeClr val="lt1"/>
+          </a:fontRef>
+        </p:style>
+        <p:txBody>
+          <a:bodyPr rtlCol="0" anchor="ctr"/>
+          <a:lstStyle/>
+          <a:p>
+            <a:pPr algn="ctr"/>
+            <a:r>
+              <a:rPr lang="en-US" sz="1200" b="1" dirty="0">
+                <a:solidFill>
+                  <a:schemeClr val="tx1"/>
+                </a:solidFill>
+              </a:rPr>
+              <a:t>4</a:t>
+            </a:r>
+          </a:p>
+        </p:txBody>
+      </p:sp>
+      <p:sp>
+        <p:nvSpPr>
+          <p:cNvPr id="109" name="Oval 108">
+            <a:extLst>
+              <a:ext uri="{FF2B5EF4-FFF2-40B4-BE49-F238E27FC236}">
+                <a16:creationId xmlns:a16="http://schemas.microsoft.com/office/drawing/2014/main" id="{7993629C-F81B-4981-8E59-359BEB6D2D9E}"/>
+              </a:ext>
+            </a:extLst>
+          </p:cNvPr>
+          <p:cNvSpPr/>
+          <p:nvPr/>
+        </p:nvSpPr>
+        <p:spPr>
+          <a:xfrm>
+            <a:off x="6981240" y="95664"/>
+            <a:ext cx="261257" cy="261257"/>
+          </a:xfrm>
+          <a:prstGeom prst="ellipse">
+            <a:avLst/>
+          </a:prstGeom>
+          <a:solidFill>
+            <a:schemeClr val="bg1"/>
+          </a:solidFill>
+          <a:ln>
+            <a:solidFill>
+              <a:schemeClr val="tx1"/>
+            </a:solidFill>
+          </a:ln>
+          <a:effectLst>
+            <a:outerShdw blurRad="50800" dist="12700" dir="2700000" algn="tl" rotWithShape="0">
+              <a:prstClr val="black">
+                <a:alpha val="40000"/>
+              </a:prstClr>
+            </a:outerShdw>
+          </a:effectLst>
+        </p:spPr>
+        <p:style>
+          <a:lnRef idx="2">
+            <a:schemeClr val="accent1">
+              <a:shade val="50000"/>
+            </a:schemeClr>
+          </a:lnRef>
+          <a:fillRef idx="1">
+            <a:schemeClr val="accent1"/>
+          </a:fillRef>
+          <a:effectRef idx="0">
+            <a:schemeClr val="accent1"/>
+          </a:effectRef>
+          <a:fontRef idx="minor">
+            <a:schemeClr val="lt1"/>
+          </a:fontRef>
+        </p:style>
+        <p:txBody>
+          <a:bodyPr rtlCol="0" anchor="ctr"/>
+          <a:lstStyle/>
+          <a:p>
+            <a:pPr algn="ctr"/>
+            <a:r>
+              <a:rPr lang="en-US" sz="1200" b="1" dirty="0">
+                <a:solidFill>
+                  <a:schemeClr val="tx1"/>
+                </a:solidFill>
+              </a:rPr>
+              <a:t>5</a:t>
+            </a:r>
+          </a:p>
+        </p:txBody>
+      </p:sp>
+      <p:sp>
+        <p:nvSpPr>
+          <p:cNvPr id="111" name="Oval 110">
+            <a:extLst>
+              <a:ext uri="{FF2B5EF4-FFF2-40B4-BE49-F238E27FC236}">
+                <a16:creationId xmlns:a16="http://schemas.microsoft.com/office/drawing/2014/main" id="{072344B0-8922-44DA-8407-27B20F933C4F}"/>
+              </a:ext>
+            </a:extLst>
+          </p:cNvPr>
+          <p:cNvSpPr/>
+          <p:nvPr/>
+        </p:nvSpPr>
+        <p:spPr>
+          <a:xfrm>
+            <a:off x="6981239" y="2610179"/>
+            <a:ext cx="261257" cy="261257"/>
+          </a:xfrm>
+          <a:prstGeom prst="ellipse">
+            <a:avLst/>
+          </a:prstGeom>
+          <a:solidFill>
+            <a:schemeClr val="bg1"/>
+          </a:solidFill>
+          <a:ln>
+            <a:solidFill>
+              <a:schemeClr val="tx1"/>
+            </a:solidFill>
+          </a:ln>
+          <a:effectLst>
+            <a:outerShdw blurRad="50800" dist="12700" dir="2700000" algn="tl" rotWithShape="0">
+              <a:prstClr val="black">
+                <a:alpha val="40000"/>
+              </a:prstClr>
+            </a:outerShdw>
+          </a:effectLst>
+        </p:spPr>
+        <p:style>
+          <a:lnRef idx="2">
+            <a:schemeClr val="accent1">
+              <a:shade val="50000"/>
+            </a:schemeClr>
+          </a:lnRef>
+          <a:fillRef idx="1">
+            <a:schemeClr val="accent1"/>
+          </a:fillRef>
+          <a:effectRef idx="0">
+            <a:schemeClr val="accent1"/>
+          </a:effectRef>
+          <a:fontRef idx="minor">
+            <a:schemeClr val="lt1"/>
+          </a:fontRef>
+        </p:style>
+        <p:txBody>
+          <a:bodyPr rtlCol="0" anchor="ctr"/>
+          <a:lstStyle/>
+          <a:p>
+            <a:pPr algn="ctr"/>
+            <a:r>
+              <a:rPr lang="en-US" sz="1200" b="1" dirty="0">
+                <a:solidFill>
+                  <a:schemeClr val="tx1"/>
+                </a:solidFill>
+              </a:rPr>
+              <a:t>6</a:t>
+            </a:r>
+          </a:p>
+        </p:txBody>
+      </p:sp>
+      <p:pic>
+        <p:nvPicPr>
+          <p:cNvPr id="3" name="Picture 2">
+            <a:extLst>
+              <a:ext uri="{FF2B5EF4-FFF2-40B4-BE49-F238E27FC236}">
+                <a16:creationId xmlns:a16="http://schemas.microsoft.com/office/drawing/2014/main" id="{FECC9C29-6F86-458D-87BA-3CDCB1FE9BE9}"/>
+              </a:ext>
+            </a:extLst>
+          </p:cNvPr>
+          <p:cNvPicPr>
+            <a:picLocks noChangeAspect="1"/>
+          </p:cNvPicPr>
+          <p:nvPr/>
+        </p:nvPicPr>
+        <p:blipFill>
+          <a:blip r:embed="rId3"/>
+          <a:stretch>
+            <a:fillRect/>
+          </a:stretch>
+        </p:blipFill>
+        <p:spPr>
+          <a:xfrm>
+            <a:off x="0" y="887270"/>
+            <a:ext cx="1133633" cy="319132"/>
+          </a:xfrm>
+          <a:prstGeom prst="rect">
+            <a:avLst/>
+          </a:prstGeom>
+        </p:spPr>
+      </p:pic>
+      <p:pic>
+        <p:nvPicPr>
+          <p:cNvPr id="16" name="Picture 15">
+            <a:extLst>
+              <a:ext uri="{FF2B5EF4-FFF2-40B4-BE49-F238E27FC236}">
+                <a16:creationId xmlns:a16="http://schemas.microsoft.com/office/drawing/2014/main" id="{536E6E18-65FB-4724-879E-CDB1BF268DE0}"/>
+              </a:ext>
+            </a:extLst>
+          </p:cNvPr>
+          <p:cNvPicPr>
+            <a:picLocks noChangeAspect="1"/>
+          </p:cNvPicPr>
+          <p:nvPr/>
+        </p:nvPicPr>
+        <p:blipFill>
+          <a:blip r:embed="rId4"/>
+          <a:stretch>
+            <a:fillRect/>
+          </a:stretch>
+        </p:blipFill>
+        <p:spPr>
+          <a:xfrm>
+            <a:off x="6937734" y="3074900"/>
+            <a:ext cx="3929611" cy="952633"/>
+          </a:xfrm>
+          <a:prstGeom prst="rect">
+            <a:avLst/>
+          </a:prstGeom>
+        </p:spPr>
+      </p:pic>
+      <p:pic>
+        <p:nvPicPr>
+          <p:cNvPr id="28" name="Picture 27">
+            <a:extLst>
+              <a:ext uri="{FF2B5EF4-FFF2-40B4-BE49-F238E27FC236}">
+                <a16:creationId xmlns:a16="http://schemas.microsoft.com/office/drawing/2014/main" id="{9FF849B3-0076-477A-BB3A-BB3E817FC06E}"/>
+              </a:ext>
+            </a:extLst>
+          </p:cNvPr>
+          <p:cNvPicPr>
+            <a:picLocks noChangeAspect="1"/>
+          </p:cNvPicPr>
+          <p:nvPr/>
+        </p:nvPicPr>
+        <p:blipFill>
+          <a:blip r:embed="rId5"/>
+          <a:stretch>
+            <a:fillRect/>
+          </a:stretch>
+        </p:blipFill>
+        <p:spPr>
+          <a:xfrm>
+            <a:off x="6981240" y="958713"/>
+            <a:ext cx="3143689" cy="1448002"/>
+          </a:xfrm>
+          <a:prstGeom prst="rect">
+            <a:avLst/>
+          </a:prstGeom>
+        </p:spPr>
+      </p:pic>
+      <p:pic>
+        <p:nvPicPr>
+          <p:cNvPr id="46" name="Picture 45">
+            <a:extLst>
+              <a:ext uri="{FF2B5EF4-FFF2-40B4-BE49-F238E27FC236}">
+                <a16:creationId xmlns:a16="http://schemas.microsoft.com/office/drawing/2014/main" id="{1834403E-A51F-495B-AE66-CC9C2CB13D4E}"/>
+              </a:ext>
+            </a:extLst>
+          </p:cNvPr>
+          <p:cNvPicPr>
+            <a:picLocks noChangeAspect="1"/>
+          </p:cNvPicPr>
+          <p:nvPr/>
+        </p:nvPicPr>
+        <p:blipFill>
+          <a:blip r:embed="rId6">
+            <a:extLst>
+              <a:ext uri="{28A0092B-C50C-407E-A947-70E740481C1C}">
+                <a14:useLocalDpi xmlns:a14="http://schemas.microsoft.com/office/drawing/2010/main" val="0"/>
+              </a:ext>
+            </a:extLst>
+          </a:blip>
+          <a:srcRect/>
+          <a:stretch/>
+        </p:blipFill>
+        <p:spPr>
+          <a:xfrm>
+            <a:off x="127631" y="1249266"/>
+            <a:ext cx="2436734" cy="1157449"/>
+          </a:xfrm>
+          <a:prstGeom prst="rect">
+            <a:avLst/>
+          </a:prstGeom>
+        </p:spPr>
+      </p:pic>
+      <p:pic>
+        <p:nvPicPr>
+          <p:cNvPr id="48" name="Picture 47">
+            <a:extLst>
+              <a:ext uri="{FF2B5EF4-FFF2-40B4-BE49-F238E27FC236}">
+                <a16:creationId xmlns:a16="http://schemas.microsoft.com/office/drawing/2014/main" id="{2B6283F3-E646-4D34-A7EB-6D03ACFC8262}"/>
+              </a:ext>
+            </a:extLst>
+          </p:cNvPr>
+          <p:cNvPicPr>
+            <a:picLocks noChangeAspect="1"/>
+          </p:cNvPicPr>
+          <p:nvPr/>
+        </p:nvPicPr>
+        <p:blipFill>
+          <a:blip r:embed="rId7">
+            <a:extLst>
+              <a:ext uri="{28A0092B-C50C-407E-A947-70E740481C1C}">
+                <a14:useLocalDpi xmlns:a14="http://schemas.microsoft.com/office/drawing/2010/main" val="0"/>
+              </a:ext>
+            </a:extLst>
+          </a:blip>
+          <a:srcRect/>
+          <a:stretch/>
+        </p:blipFill>
+        <p:spPr>
+          <a:xfrm>
+            <a:off x="124818" y="3604253"/>
+            <a:ext cx="2439547" cy="1152686"/>
+          </a:xfrm>
+          <a:prstGeom prst="rect">
+            <a:avLst/>
+          </a:prstGeom>
+        </p:spPr>
+      </p:pic>
+      <p:pic>
+        <p:nvPicPr>
+          <p:cNvPr id="36" name="Picture 35">
+            <a:extLst>
+              <a:ext uri="{FF2B5EF4-FFF2-40B4-BE49-F238E27FC236}">
+                <a16:creationId xmlns:a16="http://schemas.microsoft.com/office/drawing/2014/main" id="{3D5A026D-7EEA-4F50-8550-A5FD4BA8648C}"/>
+              </a:ext>
+            </a:extLst>
+          </p:cNvPr>
+          <p:cNvPicPr>
+            <a:picLocks noChangeAspect="1"/>
+          </p:cNvPicPr>
+          <p:nvPr/>
+        </p:nvPicPr>
+        <p:blipFill>
+          <a:blip r:embed="rId8"/>
+          <a:stretch>
+            <a:fillRect/>
+          </a:stretch>
+        </p:blipFill>
+        <p:spPr>
+          <a:xfrm>
+            <a:off x="63777" y="3180284"/>
+            <a:ext cx="1981477" cy="347711"/>
+          </a:xfrm>
+          <a:prstGeom prst="rect">
+            <a:avLst/>
+          </a:prstGeom>
+        </p:spPr>
+      </p:pic>
+      <p:pic>
+        <p:nvPicPr>
+          <p:cNvPr id="38" name="Picture 37">
+            <a:extLst>
+              <a:ext uri="{FF2B5EF4-FFF2-40B4-BE49-F238E27FC236}">
+                <a16:creationId xmlns:a16="http://schemas.microsoft.com/office/drawing/2014/main" id="{5809381E-F5C3-4416-9D7A-50C4C46CC369}"/>
+              </a:ext>
+            </a:extLst>
+          </p:cNvPr>
+          <p:cNvPicPr>
+            <a:picLocks noChangeAspect="1"/>
+          </p:cNvPicPr>
+          <p:nvPr/>
+        </p:nvPicPr>
+        <p:blipFill rotWithShape="1">
+          <a:blip r:embed="rId9"/>
+          <a:srcRect r="6640"/>
+          <a:stretch/>
+        </p:blipFill>
+        <p:spPr>
+          <a:xfrm>
+            <a:off x="2978020" y="1037668"/>
+            <a:ext cx="3775397" cy="1857634"/>
+          </a:xfrm>
+          <a:prstGeom prst="rect">
+            <a:avLst/>
+          </a:prstGeom>
+        </p:spPr>
+      </p:pic>
+      <p:pic>
+        <p:nvPicPr>
+          <p:cNvPr id="40" name="Picture 39">
+            <a:extLst>
+              <a:ext uri="{FF2B5EF4-FFF2-40B4-BE49-F238E27FC236}">
+                <a16:creationId xmlns:a16="http://schemas.microsoft.com/office/drawing/2014/main" id="{CC96CC66-EADD-4052-9A36-C9E8CAF28909}"/>
+              </a:ext>
+            </a:extLst>
+          </p:cNvPr>
+          <p:cNvPicPr>
+            <a:picLocks noChangeAspect="1"/>
+          </p:cNvPicPr>
+          <p:nvPr/>
+        </p:nvPicPr>
+        <p:blipFill>
+          <a:blip r:embed="rId10"/>
+          <a:stretch>
+            <a:fillRect/>
+          </a:stretch>
+        </p:blipFill>
+        <p:spPr>
+          <a:xfrm>
+            <a:off x="2978071" y="483469"/>
+            <a:ext cx="2114550" cy="371475"/>
+          </a:xfrm>
+          <a:prstGeom prst="rect">
+            <a:avLst/>
+          </a:prstGeom>
+        </p:spPr>
+      </p:pic>
+      <p:pic>
+        <p:nvPicPr>
+          <p:cNvPr id="49" name="Picture 48">
+            <a:extLst>
+              <a:ext uri="{FF2B5EF4-FFF2-40B4-BE49-F238E27FC236}">
+                <a16:creationId xmlns:a16="http://schemas.microsoft.com/office/drawing/2014/main" id="{A2C3480F-421E-49D4-A4A7-DA29508638F7}"/>
+              </a:ext>
+            </a:extLst>
+          </p:cNvPr>
+          <p:cNvPicPr>
+            <a:picLocks noChangeAspect="1"/>
+          </p:cNvPicPr>
+          <p:nvPr/>
+        </p:nvPicPr>
+        <p:blipFill>
+          <a:blip r:embed="rId11"/>
+          <a:stretch>
+            <a:fillRect/>
+          </a:stretch>
+        </p:blipFill>
+        <p:spPr>
+          <a:xfrm>
+            <a:off x="2978021" y="3604253"/>
+            <a:ext cx="2505075" cy="490538"/>
+          </a:xfrm>
+          <a:prstGeom prst="rect">
+            <a:avLst/>
+          </a:prstGeom>
+        </p:spPr>
+      </p:pic>
+      <p:pic>
+        <p:nvPicPr>
+          <p:cNvPr id="51" name="Picture 50">
+            <a:extLst>
+              <a:ext uri="{FF2B5EF4-FFF2-40B4-BE49-F238E27FC236}">
+                <a16:creationId xmlns:a16="http://schemas.microsoft.com/office/drawing/2014/main" id="{658D2AFC-C16C-4BB0-B876-49D910FEB2CE}"/>
+              </a:ext>
+            </a:extLst>
+          </p:cNvPr>
+          <p:cNvPicPr>
+            <a:picLocks noChangeAspect="1"/>
+          </p:cNvPicPr>
+          <p:nvPr/>
+        </p:nvPicPr>
+        <p:blipFill rotWithShape="1">
+          <a:blip r:embed="rId12"/>
+          <a:srcRect r="8222"/>
+          <a:stretch/>
+        </p:blipFill>
+        <p:spPr>
+          <a:xfrm>
+            <a:off x="2978020" y="4162889"/>
+            <a:ext cx="3707064" cy="1433713"/>
+          </a:xfrm>
+          <a:prstGeom prst="rect">
+            <a:avLst/>
+          </a:prstGeom>
+        </p:spPr>
+      </p:pic>
+      <p:pic>
+        <p:nvPicPr>
+          <p:cNvPr id="55" name="Picture 54">
+            <a:extLst>
+              <a:ext uri="{FF2B5EF4-FFF2-40B4-BE49-F238E27FC236}">
+                <a16:creationId xmlns:a16="http://schemas.microsoft.com/office/drawing/2014/main" id="{0DD21C64-4656-4050-ADD9-6D46D1F44297}"/>
+              </a:ext>
+            </a:extLst>
+          </p:cNvPr>
+          <p:cNvPicPr>
+            <a:picLocks noChangeAspect="1"/>
+          </p:cNvPicPr>
+          <p:nvPr/>
+        </p:nvPicPr>
+        <p:blipFill>
+          <a:blip r:embed="rId13"/>
+          <a:stretch>
+            <a:fillRect/>
+          </a:stretch>
+        </p:blipFill>
+        <p:spPr>
+          <a:xfrm>
+            <a:off x="6960552" y="411906"/>
+            <a:ext cx="2419350" cy="519113"/>
+          </a:xfrm>
+          <a:prstGeom prst="rect">
+            <a:avLst/>
+          </a:prstGeom>
+        </p:spPr>
+      </p:pic>
+    </p:spTree>
+    <p:extLst>
+      <p:ext uri="{BB962C8B-B14F-4D97-AF65-F5344CB8AC3E}">
+        <p14:creationId xmlns:p14="http://schemas.microsoft.com/office/powerpoint/2010/main" val="2185931730"/>
       </p:ext>
     </p:extLst>
   </p:cSld>
